--- a/static/uploads/slides/ppt/Material Exploration.pptx
+++ b/static/uploads/slides/ppt/Material Exploration.pptx
@@ -2193,7 +2193,7 @@
           </a:ln>
           <a:extLst>
             <a:ext uri="{C572A759-6A51-4108-AA02-DFA0A04FC94B}">
-              <ma14:wrappingTextBoxFlag xmlns:ma14="http://schemas.microsoft.com/office/mac/drawingml/2011/main" xmlns="" val="1"/>
+              <ma14:wrappingTextBoxFlag xmlns="" xmlns:ma14="http://schemas.microsoft.com/office/mac/drawingml/2011/main" val="1"/>
             </a:ext>
           </a:extLst>
         </p:spPr>
@@ -2232,7 +2232,7 @@
           </a:ln>
           <a:extLst>
             <a:ext uri="{C572A759-6A51-4108-AA02-DFA0A04FC94B}">
-              <ma14:wrappingTextBoxFlag xmlns:ma14="http://schemas.microsoft.com/office/mac/drawingml/2011/main" xmlns="" val="1"/>
+              <ma14:wrappingTextBoxFlag xmlns="" xmlns:ma14="http://schemas.microsoft.com/office/mac/drawingml/2011/main" val="1"/>
             </a:ext>
           </a:extLst>
         </p:spPr>
@@ -3195,9 +3195,9 @@
         <p:grpSpPr>
           <a:xfrm>
             <a:off x="-74732" y="-357391"/>
-            <a:ext cx="24562624" cy="13622317"/>
+            <a:ext cx="24562624" cy="13468429"/>
             <a:chOff x="-74732" y="-357391"/>
-            <a:chExt cx="24562624" cy="13622317"/>
+            <a:chExt cx="24562624" cy="13468429"/>
           </a:xfrm>
         </p:grpSpPr>
         <p:sp>
@@ -3261,7 +3261,7 @@
             </a:ln>
             <a:extLst>
               <a:ext uri="{C572A759-6A51-4108-AA02-DFA0A04FC94B}">
-                <ma14:wrappingTextBoxFlag xmlns:ma14="http://schemas.microsoft.com/office/mac/drawingml/2011/main" xmlns="" val="1"/>
+                <ma14:wrappingTextBoxFlag xmlns="" xmlns:ma14="http://schemas.microsoft.com/office/mac/drawingml/2011/main" val="1"/>
               </a:ext>
             </a:extLst>
           </p:spPr>
@@ -3361,7 +3361,7 @@
             </a:ln>
             <a:extLst>
               <a:ext uri="{C572A759-6A51-4108-AA02-DFA0A04FC94B}">
-                <ma14:wrappingTextBoxFlag xmlns:ma14="http://schemas.microsoft.com/office/mac/drawingml/2011/main" xmlns="" val="1"/>
+                <ma14:wrappingTextBoxFlag xmlns="" xmlns:ma14="http://schemas.microsoft.com/office/mac/drawingml/2011/main" val="1"/>
               </a:ext>
             </a:extLst>
           </p:spPr>
@@ -3532,7 +3532,7 @@
             </a:ln>
             <a:extLst>
               <a:ext uri="{C572A759-6A51-4108-AA02-DFA0A04FC94B}">
-                <ma14:wrappingTextBoxFlag xmlns:ma14="http://schemas.microsoft.com/office/mac/drawingml/2011/main" xmlns="" val="1"/>
+                <ma14:wrappingTextBoxFlag xmlns="" xmlns:ma14="http://schemas.microsoft.com/office/mac/drawingml/2011/main" val="1"/>
               </a:ext>
             </a:extLst>
           </p:spPr>
@@ -3572,8 +3572,8 @@
           </p:nvSpPr>
           <p:spPr>
             <a:xfrm>
-              <a:off x="16862718" y="12505104"/>
-              <a:ext cx="7001916" cy="759822"/>
+              <a:off x="12487275" y="12658992"/>
+              <a:ext cx="11377359" cy="452046"/>
             </a:xfrm>
             <a:prstGeom prst="rect">
               <a:avLst/>
@@ -3583,12 +3583,12 @@
             </a:ln>
             <a:extLst>
               <a:ext uri="{C572A759-6A51-4108-AA02-DFA0A04FC94B}">
-                <ma14:wrappingTextBoxFlag xmlns:ma14="http://schemas.microsoft.com/office/mac/drawingml/2011/main" xmlns="" val="1"/>
+                <ma14:wrappingTextBoxFlag xmlns="" xmlns:ma14="http://schemas.microsoft.com/office/mac/drawingml/2011/main" val="1"/>
               </a:ext>
             </a:extLst>
           </p:spPr>
           <p:txBody>
-            <a:bodyPr wrap="none" lIns="71437" tIns="71437" rIns="71437" bIns="71437" anchor="ctr">
+            <a:bodyPr wrap="square" lIns="71437" tIns="71437" rIns="71437" bIns="71437" anchor="ctr">
               <a:spAutoFit/>
             </a:bodyPr>
             <a:lstStyle/>
@@ -3618,24 +3618,7 @@
               </a:r>
               <a:r>
                 <a:rPr lang="en-AU" dirty="0"/>
-                <a:t>/</a:t>
-              </a:r>
-            </a:p>
-            <a:p>
-              <a:pPr algn="r">
-                <a:defRPr sz="2000" b="0">
-                  <a:solidFill>
-                    <a:srgbClr val="919191"/>
-                  </a:solidFill>
-                  <a:latin typeface="Montserrat Medium"/>
-                  <a:ea typeface="Montserrat Medium"/>
-                  <a:cs typeface="Montserrat Medium"/>
-                  <a:sym typeface="Montserrat Medium"/>
-                </a:defRPr>
-              </a:pPr>
-              <a:r>
-                <a:rPr lang="en-AU" dirty="0"/>
-                <a:t>photos/L7V4rwETDb0</a:t>
+                <a:t>/photos/L7V4rwETDb0</a:t>
               </a:r>
             </a:p>
           </p:txBody>
@@ -3773,7 +3756,7 @@
             </a:ln>
             <a:extLst>
               <a:ext uri="{C572A759-6A51-4108-AA02-DFA0A04FC94B}">
-                <ma14:wrappingTextBoxFlag xmlns:ma14="http://schemas.microsoft.com/office/mac/drawingml/2011/main" xmlns="" val="1"/>
+                <ma14:wrappingTextBoxFlag xmlns="" xmlns:ma14="http://schemas.microsoft.com/office/mac/drawingml/2011/main" val="1"/>
               </a:ext>
             </a:extLst>
           </p:spPr>
@@ -3899,7 +3882,7 @@
             </a:ln>
             <a:extLst>
               <a:ext uri="{C572A759-6A51-4108-AA02-DFA0A04FC94B}">
-                <ma14:wrappingTextBoxFlag xmlns:ma14="http://schemas.microsoft.com/office/mac/drawingml/2011/main" xmlns="" val="1"/>
+                <ma14:wrappingTextBoxFlag xmlns="" xmlns:ma14="http://schemas.microsoft.com/office/mac/drawingml/2011/main" val="1"/>
               </a:ext>
             </a:extLst>
           </p:spPr>
@@ -3986,7 +3969,7 @@
             </a:ln>
             <a:extLst>
               <a:ext uri="{C572A759-6A51-4108-AA02-DFA0A04FC94B}">
-                <ma14:wrappingTextBoxFlag xmlns:ma14="http://schemas.microsoft.com/office/mac/drawingml/2011/main" xmlns="" val="1"/>
+                <ma14:wrappingTextBoxFlag xmlns="" xmlns:ma14="http://schemas.microsoft.com/office/mac/drawingml/2011/main" val="1"/>
               </a:ext>
             </a:extLst>
           </p:spPr>
@@ -4033,7 +4016,7 @@
             </a:ln>
             <a:extLst>
               <a:ext uri="{C572A759-6A51-4108-AA02-DFA0A04FC94B}">
-                <ma14:wrappingTextBoxFlag xmlns:ma14="http://schemas.microsoft.com/office/mac/drawingml/2011/main" xmlns="" val="1"/>
+                <ma14:wrappingTextBoxFlag xmlns="" xmlns:ma14="http://schemas.microsoft.com/office/mac/drawingml/2011/main" val="1"/>
               </a:ext>
             </a:extLst>
           </p:spPr>
@@ -4185,7 +4168,7 @@
             </a:ln>
             <a:extLst>
               <a:ext uri="{C572A759-6A51-4108-AA02-DFA0A04FC94B}">
-                <ma14:wrappingTextBoxFlag xmlns:ma14="http://schemas.microsoft.com/office/mac/drawingml/2011/main" xmlns="" val="1"/>
+                <ma14:wrappingTextBoxFlag xmlns="" xmlns:ma14="http://schemas.microsoft.com/office/mac/drawingml/2011/main" val="1"/>
               </a:ext>
             </a:extLst>
           </p:spPr>
@@ -4390,7 +4373,7 @@
             </a:ln>
             <a:extLst>
               <a:ext uri="{C572A759-6A51-4108-AA02-DFA0A04FC94B}">
-                <ma14:wrappingTextBoxFlag xmlns:ma14="http://schemas.microsoft.com/office/mac/drawingml/2011/main" xmlns="" val="1"/>
+                <ma14:wrappingTextBoxFlag xmlns="" xmlns:ma14="http://schemas.microsoft.com/office/mac/drawingml/2011/main" val="1"/>
               </a:ext>
             </a:extLst>
           </p:spPr>
@@ -4485,7 +4468,7 @@
             </a:ln>
             <a:extLst>
               <a:ext uri="{C572A759-6A51-4108-AA02-DFA0A04FC94B}">
-                <ma14:wrappingTextBoxFlag xmlns:ma14="http://schemas.microsoft.com/office/mac/drawingml/2011/main" xmlns="" val="1"/>
+                <ma14:wrappingTextBoxFlag xmlns="" xmlns:ma14="http://schemas.microsoft.com/office/mac/drawingml/2011/main" val="1"/>
               </a:ext>
             </a:extLst>
           </p:spPr>
@@ -4576,7 +4559,7 @@
             </a:ln>
             <a:extLst>
               <a:ext uri="{C572A759-6A51-4108-AA02-DFA0A04FC94B}">
-                <ma14:wrappingTextBoxFlag xmlns:ma14="http://schemas.microsoft.com/office/mac/drawingml/2011/main" xmlns="" val="1"/>
+                <ma14:wrappingTextBoxFlag xmlns="" xmlns:ma14="http://schemas.microsoft.com/office/mac/drawingml/2011/main" val="1"/>
               </a:ext>
             </a:extLst>
           </p:spPr>
@@ -4755,7 +4738,7 @@
             </a:ln>
             <a:extLst>
               <a:ext uri="{C572A759-6A51-4108-AA02-DFA0A04FC94B}">
-                <ma14:wrappingTextBoxFlag xmlns:ma14="http://schemas.microsoft.com/office/mac/drawingml/2011/main" xmlns="" val="1"/>
+                <ma14:wrappingTextBoxFlag xmlns="" xmlns:ma14="http://schemas.microsoft.com/office/mac/drawingml/2011/main" val="1"/>
               </a:ext>
             </a:extLst>
           </p:spPr>
@@ -4971,7 +4954,7 @@
             </a:ln>
             <a:extLst>
               <a:ext uri="{C572A759-6A51-4108-AA02-DFA0A04FC94B}">
-                <ma14:wrappingTextBoxFlag xmlns:ma14="http://schemas.microsoft.com/office/mac/drawingml/2011/main" xmlns="" val="1"/>
+                <ma14:wrappingTextBoxFlag xmlns="" xmlns:ma14="http://schemas.microsoft.com/office/mac/drawingml/2011/main" val="1"/>
               </a:ext>
             </a:extLst>
           </p:spPr>
@@ -5019,7 +5002,7 @@
             </a:ln>
             <a:extLst>
               <a:ext uri="{C572A759-6A51-4108-AA02-DFA0A04FC94B}">
-                <ma14:wrappingTextBoxFlag xmlns:ma14="http://schemas.microsoft.com/office/mac/drawingml/2011/main" xmlns="" val="1"/>
+                <ma14:wrappingTextBoxFlag xmlns="" xmlns:ma14="http://schemas.microsoft.com/office/mac/drawingml/2011/main" val="1"/>
               </a:ext>
             </a:extLst>
           </p:spPr>
@@ -5074,7 +5057,7 @@
           </a:ln>
           <a:extLst>
             <a:ext uri="{C572A759-6A51-4108-AA02-DFA0A04FC94B}">
-              <ma14:wrappingTextBoxFlag xmlns:ma14="http://schemas.microsoft.com/office/mac/drawingml/2011/main" xmlns="" val="1"/>
+              <ma14:wrappingTextBoxFlag xmlns="" xmlns:ma14="http://schemas.microsoft.com/office/mac/drawingml/2011/main" val="1"/>
             </a:ext>
           </a:extLst>
         </p:spPr>
@@ -5262,7 +5245,7 @@
           </a:ln>
           <a:extLst>
             <a:ext uri="{C572A759-6A51-4108-AA02-DFA0A04FC94B}">
-              <ma14:wrappingTextBoxFlag xmlns:ma14="http://schemas.microsoft.com/office/mac/drawingml/2011/main" xmlns="" val="1"/>
+              <ma14:wrappingTextBoxFlag xmlns="" xmlns:ma14="http://schemas.microsoft.com/office/mac/drawingml/2011/main" val="1"/>
             </a:ext>
           </a:extLst>
         </p:spPr>
@@ -5387,7 +5370,7 @@
           </a:ln>
           <a:extLst>
             <a:ext uri="{C572A759-6A51-4108-AA02-DFA0A04FC94B}">
-              <ma14:wrappingTextBoxFlag xmlns:ma14="http://schemas.microsoft.com/office/mac/drawingml/2011/main" xmlns="" val="1"/>
+              <ma14:wrappingTextBoxFlag xmlns="" xmlns:ma14="http://schemas.microsoft.com/office/mac/drawingml/2011/main" val="1"/>
             </a:ext>
           </a:extLst>
         </p:spPr>
@@ -5634,7 +5617,7 @@
             </a:ln>
             <a:extLst>
               <a:ext uri="{C572A759-6A51-4108-AA02-DFA0A04FC94B}">
-                <ma14:wrappingTextBoxFlag xmlns:ma14="http://schemas.microsoft.com/office/mac/drawingml/2011/main" xmlns="" val="1"/>
+                <ma14:wrappingTextBoxFlag xmlns="" xmlns:ma14="http://schemas.microsoft.com/office/mac/drawingml/2011/main" val="1"/>
               </a:ext>
             </a:extLst>
           </p:spPr>
@@ -5807,7 +5790,7 @@
             </a:ln>
             <a:extLst>
               <a:ext uri="{C572A759-6A51-4108-AA02-DFA0A04FC94B}">
-                <ma14:wrappingTextBoxFlag xmlns:ma14="http://schemas.microsoft.com/office/mac/drawingml/2011/main" xmlns="" val="1"/>
+                <ma14:wrappingTextBoxFlag xmlns="" xmlns:ma14="http://schemas.microsoft.com/office/mac/drawingml/2011/main" val="1"/>
               </a:ext>
             </a:extLst>
           </p:spPr>
@@ -5858,7 +5841,7 @@
             </a:ln>
             <a:extLst>
               <a:ext uri="{C572A759-6A51-4108-AA02-DFA0A04FC94B}">
-                <ma14:wrappingTextBoxFlag xmlns:ma14="http://schemas.microsoft.com/office/mac/drawingml/2011/main" xmlns="" val="1"/>
+                <ma14:wrappingTextBoxFlag xmlns="" xmlns:ma14="http://schemas.microsoft.com/office/mac/drawingml/2011/main" val="1"/>
               </a:ext>
             </a:extLst>
           </p:spPr>
@@ -6036,7 +6019,7 @@
             </a:ln>
             <a:extLst>
               <a:ext uri="{C572A759-6A51-4108-AA02-DFA0A04FC94B}">
-                <ma14:wrappingTextBoxFlag xmlns:ma14="http://schemas.microsoft.com/office/mac/drawingml/2011/main" xmlns="" val="1"/>
+                <ma14:wrappingTextBoxFlag xmlns="" xmlns:ma14="http://schemas.microsoft.com/office/mac/drawingml/2011/main" val="1"/>
               </a:ext>
             </a:extLst>
           </p:spPr>
@@ -6280,7 +6263,7 @@
             </a:ln>
             <a:extLst>
               <a:ext uri="{C572A759-6A51-4108-AA02-DFA0A04FC94B}">
-                <ma14:wrappingTextBoxFlag xmlns:ma14="http://schemas.microsoft.com/office/mac/drawingml/2011/main" xmlns="" val="1"/>
+                <ma14:wrappingTextBoxFlag xmlns="" xmlns:ma14="http://schemas.microsoft.com/office/mac/drawingml/2011/main" val="1"/>
               </a:ext>
             </a:extLst>
           </p:spPr>
@@ -6328,7 +6311,7 @@
             </a:ln>
             <a:extLst>
               <a:ext uri="{C572A759-6A51-4108-AA02-DFA0A04FC94B}">
-                <ma14:wrappingTextBoxFlag xmlns:ma14="http://schemas.microsoft.com/office/mac/drawingml/2011/main" xmlns="" val="1"/>
+                <ma14:wrappingTextBoxFlag xmlns="" xmlns:ma14="http://schemas.microsoft.com/office/mac/drawingml/2011/main" val="1"/>
               </a:ext>
             </a:extLst>
           </p:spPr>
@@ -6376,7 +6359,7 @@
             </a:ln>
             <a:extLst>
               <a:ext uri="{C572A759-6A51-4108-AA02-DFA0A04FC94B}">
-                <ma14:wrappingTextBoxFlag xmlns:ma14="http://schemas.microsoft.com/office/mac/drawingml/2011/main" xmlns="" val="1"/>
+                <ma14:wrappingTextBoxFlag xmlns="" xmlns:ma14="http://schemas.microsoft.com/office/mac/drawingml/2011/main" val="1"/>
               </a:ext>
             </a:extLst>
           </p:spPr>
@@ -6424,7 +6407,7 @@
             </a:ln>
             <a:extLst>
               <a:ext uri="{C572A759-6A51-4108-AA02-DFA0A04FC94B}">
-                <ma14:wrappingTextBoxFlag xmlns:ma14="http://schemas.microsoft.com/office/mac/drawingml/2011/main" xmlns="" val="1"/>
+                <ma14:wrappingTextBoxFlag xmlns="" xmlns:ma14="http://schemas.microsoft.com/office/mac/drawingml/2011/main" val="1"/>
               </a:ext>
             </a:extLst>
           </p:spPr>
@@ -6472,7 +6455,7 @@
             </a:ln>
             <a:extLst>
               <a:ext uri="{C572A759-6A51-4108-AA02-DFA0A04FC94B}">
-                <ma14:wrappingTextBoxFlag xmlns:ma14="http://schemas.microsoft.com/office/mac/drawingml/2011/main" xmlns="" val="1"/>
+                <ma14:wrappingTextBoxFlag xmlns="" xmlns:ma14="http://schemas.microsoft.com/office/mac/drawingml/2011/main" val="1"/>
               </a:ext>
             </a:extLst>
           </p:spPr>
@@ -6520,7 +6503,7 @@
             </a:ln>
             <a:extLst>
               <a:ext uri="{C572A759-6A51-4108-AA02-DFA0A04FC94B}">
-                <ma14:wrappingTextBoxFlag xmlns:ma14="http://schemas.microsoft.com/office/mac/drawingml/2011/main" xmlns="" val="1"/>
+                <ma14:wrappingTextBoxFlag xmlns="" xmlns:ma14="http://schemas.microsoft.com/office/mac/drawingml/2011/main" val="1"/>
               </a:ext>
             </a:extLst>
           </p:spPr>
@@ -6568,7 +6551,7 @@
             </a:ln>
             <a:extLst>
               <a:ext uri="{C572A759-6A51-4108-AA02-DFA0A04FC94B}">
-                <ma14:wrappingTextBoxFlag xmlns:ma14="http://schemas.microsoft.com/office/mac/drawingml/2011/main" xmlns="" val="1"/>
+                <ma14:wrappingTextBoxFlag xmlns="" xmlns:ma14="http://schemas.microsoft.com/office/mac/drawingml/2011/main" val="1"/>
               </a:ext>
             </a:extLst>
           </p:spPr>
@@ -6613,7 +6596,7 @@
             </a:ln>
             <a:extLst>
               <a:ext uri="{C572A759-6A51-4108-AA02-DFA0A04FC94B}">
-                <ma14:wrappingTextBoxFlag xmlns:ma14="http://schemas.microsoft.com/office/mac/drawingml/2011/main" xmlns="" val="1"/>
+                <ma14:wrappingTextBoxFlag xmlns="" xmlns:ma14="http://schemas.microsoft.com/office/mac/drawingml/2011/main" val="1"/>
               </a:ext>
             </a:extLst>
           </p:spPr>
@@ -6665,7 +6648,7 @@
           </a:ln>
           <a:extLst>
             <a:ext uri="{C572A759-6A51-4108-AA02-DFA0A04FC94B}">
-              <ma14:wrappingTextBoxFlag xmlns:ma14="http://schemas.microsoft.com/office/mac/drawingml/2011/main" xmlns="" val="1"/>
+              <ma14:wrappingTextBoxFlag xmlns="" xmlns:ma14="http://schemas.microsoft.com/office/mac/drawingml/2011/main" val="1"/>
             </a:ext>
           </a:extLst>
         </p:spPr>
@@ -6721,7 +6704,7 @@
           </a:ln>
           <a:extLst>
             <a:ext uri="{C572A759-6A51-4108-AA02-DFA0A04FC94B}">
-              <ma14:wrappingTextBoxFlag xmlns:ma14="http://schemas.microsoft.com/office/mac/drawingml/2011/main" xmlns="" val="1"/>
+              <ma14:wrappingTextBoxFlag xmlns="" xmlns:ma14="http://schemas.microsoft.com/office/mac/drawingml/2011/main" val="1"/>
             </a:ext>
           </a:extLst>
         </p:spPr>
@@ -6776,7 +6759,7 @@
           </a:ln>
           <a:extLst>
             <a:ext uri="{C572A759-6A51-4108-AA02-DFA0A04FC94B}">
-              <ma14:wrappingTextBoxFlag xmlns:ma14="http://schemas.microsoft.com/office/mac/drawingml/2011/main" xmlns="" val="1"/>
+              <ma14:wrappingTextBoxFlag xmlns="" xmlns:ma14="http://schemas.microsoft.com/office/mac/drawingml/2011/main" val="1"/>
             </a:ext>
           </a:extLst>
         </p:spPr>
@@ -6828,7 +6811,7 @@
           </a:ln>
           <a:extLst>
             <a:ext uri="{C572A759-6A51-4108-AA02-DFA0A04FC94B}">
-              <ma14:wrappingTextBoxFlag xmlns:ma14="http://schemas.microsoft.com/office/mac/drawingml/2011/main" xmlns="" val="1"/>
+              <ma14:wrappingTextBoxFlag xmlns="" xmlns:ma14="http://schemas.microsoft.com/office/mac/drawingml/2011/main" val="1"/>
             </a:ext>
           </a:extLst>
         </p:spPr>
@@ -6884,7 +6867,7 @@
           </a:ln>
           <a:extLst>
             <a:ext uri="{C572A759-6A51-4108-AA02-DFA0A04FC94B}">
-              <ma14:wrappingTextBoxFlag xmlns:ma14="http://schemas.microsoft.com/office/mac/drawingml/2011/main" xmlns="" val="1"/>
+              <ma14:wrappingTextBoxFlag xmlns="" xmlns:ma14="http://schemas.microsoft.com/office/mac/drawingml/2011/main" val="1"/>
             </a:ext>
           </a:extLst>
         </p:spPr>
@@ -6940,7 +6923,7 @@
           </a:ln>
           <a:extLst>
             <a:ext uri="{C572A759-6A51-4108-AA02-DFA0A04FC94B}">
-              <ma14:wrappingTextBoxFlag xmlns:ma14="http://schemas.microsoft.com/office/mac/drawingml/2011/main" xmlns="" val="1"/>
+              <ma14:wrappingTextBoxFlag xmlns="" xmlns:ma14="http://schemas.microsoft.com/office/mac/drawingml/2011/main" val="1"/>
             </a:ext>
           </a:extLst>
         </p:spPr>
@@ -6979,10 +6962,10 @@
       </p:sp>
       <p:sp>
         <p:nvSpPr>
-          <p:cNvPr id="37" name="Shape 127">
+          <p:cNvPr id="39" name="Shape 127">
             <a:extLst>
               <a:ext uri="{FF2B5EF4-FFF2-40B4-BE49-F238E27FC236}">
-                <a16:creationId xmlns:a16="http://schemas.microsoft.com/office/drawing/2014/main" id="{91E7FC24-AF2C-6646-A7D7-A8A5F9E09193}"/>
+                <a16:creationId xmlns:a16="http://schemas.microsoft.com/office/drawing/2014/main" id="{EC7C7B4C-1397-5B4F-9EA1-9771A4CD9379}"/>
               </a:ext>
             </a:extLst>
           </p:cNvPr>
@@ -6991,8 +6974,8 @@
         </p:nvSpPr>
         <p:spPr>
           <a:xfrm>
-            <a:off x="16862718" y="12505104"/>
-            <a:ext cx="7001916" cy="759822"/>
+            <a:off x="12487275" y="12658992"/>
+            <a:ext cx="11377359" cy="452046"/>
           </a:xfrm>
           <a:prstGeom prst="rect">
             <a:avLst/>
@@ -7002,12 +6985,12 @@
           </a:ln>
           <a:extLst>
             <a:ext uri="{C572A759-6A51-4108-AA02-DFA0A04FC94B}">
-              <ma14:wrappingTextBoxFlag xmlns:ma14="http://schemas.microsoft.com/office/mac/drawingml/2011/main" xmlns="" val="1"/>
+              <ma14:wrappingTextBoxFlag xmlns="" xmlns:ma14="http://schemas.microsoft.com/office/mac/drawingml/2011/main" val="1"/>
             </a:ext>
           </a:extLst>
         </p:spPr>
         <p:txBody>
-          <a:bodyPr wrap="none" lIns="71437" tIns="71437" rIns="71437" bIns="71437" anchor="ctr">
+          <a:bodyPr wrap="square" lIns="71437" tIns="71437" rIns="71437" bIns="71437" anchor="ctr">
             <a:spAutoFit/>
           </a:bodyPr>
           <a:lstStyle/>
@@ -7037,24 +7020,7 @@
             </a:r>
             <a:r>
               <a:rPr lang="en-AU" dirty="0"/>
-              <a:t>/</a:t>
-            </a:r>
-          </a:p>
-          <a:p>
-            <a:pPr algn="r">
-              <a:defRPr sz="2000" b="0">
-                <a:solidFill>
-                  <a:srgbClr val="919191"/>
-                </a:solidFill>
-                <a:latin typeface="Montserrat Medium"/>
-                <a:ea typeface="Montserrat Medium"/>
-                <a:cs typeface="Montserrat Medium"/>
-                <a:sym typeface="Montserrat Medium"/>
-              </a:defRPr>
-            </a:pPr>
-            <a:r>
-              <a:rPr lang="en-AU" dirty="0"/>
-              <a:t>photos/L7V4rwETDb0</a:t>
+              <a:t>/photos/L7V4rwETDb0</a:t>
             </a:r>
           </a:p>
         </p:txBody>
@@ -7110,7 +7076,7 @@
           </a:ln>
           <a:extLst>
             <a:ext uri="{C572A759-6A51-4108-AA02-DFA0A04FC94B}">
-              <ma14:wrappingTextBoxFlag xmlns:ma14="http://schemas.microsoft.com/office/mac/drawingml/2011/main" xmlns="" val="1"/>
+              <ma14:wrappingTextBoxFlag xmlns="" xmlns:ma14="http://schemas.microsoft.com/office/mac/drawingml/2011/main" val="1"/>
             </a:ext>
           </a:extLst>
         </p:spPr>
@@ -7172,7 +7138,7 @@
           </a:ln>
           <a:extLst>
             <a:ext uri="{C572A759-6A51-4108-AA02-DFA0A04FC94B}">
-              <ma14:wrappingTextBoxFlag xmlns:ma14="http://schemas.microsoft.com/office/mac/drawingml/2011/main" xmlns="" val="1"/>
+              <ma14:wrappingTextBoxFlag xmlns="" xmlns:ma14="http://schemas.microsoft.com/office/mac/drawingml/2011/main" val="1"/>
             </a:ext>
           </a:extLst>
         </p:spPr>
@@ -7234,7 +7200,7 @@
           </a:ln>
           <a:extLst>
             <a:ext uri="{C572A759-6A51-4108-AA02-DFA0A04FC94B}">
-              <ma14:wrappingTextBoxFlag xmlns:ma14="http://schemas.microsoft.com/office/mac/drawingml/2011/main" xmlns="" val="1"/>
+              <ma14:wrappingTextBoxFlag xmlns="" xmlns:ma14="http://schemas.microsoft.com/office/mac/drawingml/2011/main" val="1"/>
             </a:ext>
           </a:extLst>
         </p:spPr>
@@ -7295,7 +7261,7 @@
           </a:ln>
           <a:extLst>
             <a:ext uri="{C572A759-6A51-4108-AA02-DFA0A04FC94B}">
-              <ma14:wrappingTextBoxFlag xmlns:ma14="http://schemas.microsoft.com/office/mac/drawingml/2011/main" xmlns="" val="1"/>
+              <ma14:wrappingTextBoxFlag xmlns="" xmlns:ma14="http://schemas.microsoft.com/office/mac/drawingml/2011/main" val="1"/>
             </a:ext>
           </a:extLst>
         </p:spPr>
@@ -7353,7 +7319,7 @@
           </a:ln>
           <a:extLst>
             <a:ext uri="{C572A759-6A51-4108-AA02-DFA0A04FC94B}">
-              <ma14:wrappingTextBoxFlag xmlns:ma14="http://schemas.microsoft.com/office/mac/drawingml/2011/main" xmlns="" val="1"/>
+              <ma14:wrappingTextBoxFlag xmlns="" xmlns:ma14="http://schemas.microsoft.com/office/mac/drawingml/2011/main" val="1"/>
             </a:ext>
           </a:extLst>
         </p:spPr>
@@ -7415,7 +7381,7 @@
           </a:ln>
           <a:extLst>
             <a:ext uri="{C572A759-6A51-4108-AA02-DFA0A04FC94B}">
-              <ma14:wrappingTextBoxFlag xmlns:ma14="http://schemas.microsoft.com/office/mac/drawingml/2011/main" xmlns="" val="1"/>
+              <ma14:wrappingTextBoxFlag xmlns="" xmlns:ma14="http://schemas.microsoft.com/office/mac/drawingml/2011/main" val="1"/>
             </a:ext>
           </a:extLst>
         </p:spPr>
@@ -7477,7 +7443,7 @@
           </a:ln>
           <a:extLst>
             <a:ext uri="{C572A759-6A51-4108-AA02-DFA0A04FC94B}">
-              <ma14:wrappingTextBoxFlag xmlns:ma14="http://schemas.microsoft.com/office/mac/drawingml/2011/main" xmlns="" val="1"/>
+              <ma14:wrappingTextBoxFlag xmlns="" xmlns:ma14="http://schemas.microsoft.com/office/mac/drawingml/2011/main" val="1"/>
             </a:ext>
           </a:extLst>
         </p:spPr>
@@ -7602,7 +7568,7 @@
           </a:ln>
           <a:extLst>
             <a:ext uri="{C572A759-6A51-4108-AA02-DFA0A04FC94B}">
-              <ma14:wrappingTextBoxFlag xmlns:ma14="http://schemas.microsoft.com/office/mac/drawingml/2011/main" xmlns="" val="1"/>
+              <ma14:wrappingTextBoxFlag xmlns="" xmlns:ma14="http://schemas.microsoft.com/office/mac/drawingml/2011/main" val="1"/>
             </a:ext>
           </a:extLst>
         </p:spPr>
@@ -7873,7 +7839,7 @@
             </a:ln>
             <a:extLst>
               <a:ext uri="{C572A759-6A51-4108-AA02-DFA0A04FC94B}">
-                <ma14:wrappingTextBoxFlag xmlns:ma14="http://schemas.microsoft.com/office/mac/drawingml/2011/main" xmlns="" val="1"/>
+                <ma14:wrappingTextBoxFlag xmlns="" xmlns:ma14="http://schemas.microsoft.com/office/mac/drawingml/2011/main" val="1"/>
               </a:ext>
             </a:extLst>
           </p:spPr>
@@ -7934,7 +7900,7 @@
             </a:ln>
             <a:extLst>
               <a:ext uri="{C572A759-6A51-4108-AA02-DFA0A04FC94B}">
-                <ma14:wrappingTextBoxFlag xmlns:ma14="http://schemas.microsoft.com/office/mac/drawingml/2011/main" xmlns="" val="1"/>
+                <ma14:wrappingTextBoxFlag xmlns="" xmlns:ma14="http://schemas.microsoft.com/office/mac/drawingml/2011/main" val="1"/>
               </a:ext>
             </a:extLst>
           </p:spPr>
@@ -8110,7 +8076,7 @@
             </a:ln>
             <a:extLst>
               <a:ext uri="{C572A759-6A51-4108-AA02-DFA0A04FC94B}">
-                <ma14:wrappingTextBoxFlag xmlns:ma14="http://schemas.microsoft.com/office/mac/drawingml/2011/main" xmlns="" val="1"/>
+                <ma14:wrappingTextBoxFlag xmlns="" xmlns:ma14="http://schemas.microsoft.com/office/mac/drawingml/2011/main" val="1"/>
               </a:ext>
             </a:extLst>
           </p:spPr>
@@ -8286,7 +8252,7 @@
             </a:ln>
             <a:extLst>
               <a:ext uri="{C572A759-6A51-4108-AA02-DFA0A04FC94B}">
-                <ma14:wrappingTextBoxFlag xmlns:ma14="http://schemas.microsoft.com/office/mac/drawingml/2011/main" xmlns="" val="1"/>
+                <ma14:wrappingTextBoxFlag xmlns="" xmlns:ma14="http://schemas.microsoft.com/office/mac/drawingml/2011/main" val="1"/>
               </a:ext>
             </a:extLst>
           </p:spPr>
@@ -8341,7 +8307,7 @@
             </a:ln>
             <a:extLst>
               <a:ext uri="{C572A759-6A51-4108-AA02-DFA0A04FC94B}">
-                <ma14:wrappingTextBoxFlag xmlns:ma14="http://schemas.microsoft.com/office/mac/drawingml/2011/main" xmlns="" val="1"/>
+                <ma14:wrappingTextBoxFlag xmlns="" xmlns:ma14="http://schemas.microsoft.com/office/mac/drawingml/2011/main" val="1"/>
               </a:ext>
             </a:extLst>
           </p:spPr>
@@ -8395,7 +8361,7 @@
             </a:ln>
             <a:extLst>
               <a:ext uri="{C572A759-6A51-4108-AA02-DFA0A04FC94B}">
-                <ma14:wrappingTextBoxFlag xmlns:ma14="http://schemas.microsoft.com/office/mac/drawingml/2011/main" xmlns="" val="1"/>
+                <ma14:wrappingTextBoxFlag xmlns="" xmlns:ma14="http://schemas.microsoft.com/office/mac/drawingml/2011/main" val="1"/>
               </a:ext>
             </a:extLst>
           </p:spPr>
@@ -8449,7 +8415,7 @@
             </a:ln>
             <a:extLst>
               <a:ext uri="{C572A759-6A51-4108-AA02-DFA0A04FC94B}">
-                <ma14:wrappingTextBoxFlag xmlns:ma14="http://schemas.microsoft.com/office/mac/drawingml/2011/main" xmlns="" val="1"/>
+                <ma14:wrappingTextBoxFlag xmlns="" xmlns:ma14="http://schemas.microsoft.com/office/mac/drawingml/2011/main" val="1"/>
               </a:ext>
             </a:extLst>
           </p:spPr>
@@ -8503,7 +8469,7 @@
             </a:ln>
             <a:extLst>
               <a:ext uri="{C572A759-6A51-4108-AA02-DFA0A04FC94B}">
-                <ma14:wrappingTextBoxFlag xmlns:ma14="http://schemas.microsoft.com/office/mac/drawingml/2011/main" xmlns="" val="1"/>
+                <ma14:wrappingTextBoxFlag xmlns="" xmlns:ma14="http://schemas.microsoft.com/office/mac/drawingml/2011/main" val="1"/>
               </a:ext>
             </a:extLst>
           </p:spPr>
@@ -8557,7 +8523,7 @@
             </a:ln>
             <a:extLst>
               <a:ext uri="{C572A759-6A51-4108-AA02-DFA0A04FC94B}">
-                <ma14:wrappingTextBoxFlag xmlns:ma14="http://schemas.microsoft.com/office/mac/drawingml/2011/main" xmlns="" val="1"/>
+                <ma14:wrappingTextBoxFlag xmlns="" xmlns:ma14="http://schemas.microsoft.com/office/mac/drawingml/2011/main" val="1"/>
               </a:ext>
             </a:extLst>
           </p:spPr>
@@ -8611,7 +8577,7 @@
             </a:ln>
             <a:extLst>
               <a:ext uri="{C572A759-6A51-4108-AA02-DFA0A04FC94B}">
-                <ma14:wrappingTextBoxFlag xmlns:ma14="http://schemas.microsoft.com/office/mac/drawingml/2011/main" xmlns="" val="1"/>
+                <ma14:wrappingTextBoxFlag xmlns="" xmlns:ma14="http://schemas.microsoft.com/office/mac/drawingml/2011/main" val="1"/>
               </a:ext>
             </a:extLst>
           </p:spPr>
@@ -8918,7 +8884,7 @@
             </a:ln>
             <a:extLst>
               <a:ext uri="{C572A759-6A51-4108-AA02-DFA0A04FC94B}">
-                <ma14:wrappingTextBoxFlag xmlns:ma14="http://schemas.microsoft.com/office/mac/drawingml/2011/main" xmlns="" val="1"/>
+                <ma14:wrappingTextBoxFlag xmlns="" xmlns:ma14="http://schemas.microsoft.com/office/mac/drawingml/2011/main" val="1"/>
               </a:ext>
             </a:extLst>
           </p:spPr>
@@ -9109,7 +9075,7 @@
             </a:ln>
             <a:extLst>
               <a:ext uri="{C572A759-6A51-4108-AA02-DFA0A04FC94B}">
-                <ma14:wrappingTextBoxFlag xmlns:ma14="http://schemas.microsoft.com/office/mac/drawingml/2011/main" xmlns="" val="1"/>
+                <ma14:wrappingTextBoxFlag xmlns="" xmlns:ma14="http://schemas.microsoft.com/office/mac/drawingml/2011/main" val="1"/>
               </a:ext>
             </a:extLst>
           </p:spPr>
@@ -9166,7 +9132,7 @@
             </a:ln>
             <a:extLst>
               <a:ext uri="{C572A759-6A51-4108-AA02-DFA0A04FC94B}">
-                <ma14:wrappingTextBoxFlag xmlns:ma14="http://schemas.microsoft.com/office/mac/drawingml/2011/main" xmlns="" val="1"/>
+                <ma14:wrappingTextBoxFlag xmlns="" xmlns:ma14="http://schemas.microsoft.com/office/mac/drawingml/2011/main" val="1"/>
               </a:ext>
             </a:extLst>
           </p:spPr>
@@ -9359,7 +9325,7 @@
             </a:ln>
             <a:extLst>
               <a:ext uri="{C572A759-6A51-4108-AA02-DFA0A04FC94B}">
-                <ma14:wrappingTextBoxFlag xmlns:ma14="http://schemas.microsoft.com/office/mac/drawingml/2011/main" xmlns="" val="1"/>
+                <ma14:wrappingTextBoxFlag xmlns="" xmlns:ma14="http://schemas.microsoft.com/office/mac/drawingml/2011/main" val="1"/>
               </a:ext>
             </a:extLst>
           </p:spPr>
@@ -9581,7 +9547,7 @@
             </a:ln>
             <a:extLst>
               <a:ext uri="{C572A759-6A51-4108-AA02-DFA0A04FC94B}">
-                <ma14:wrappingTextBoxFlag xmlns:ma14="http://schemas.microsoft.com/office/mac/drawingml/2011/main" xmlns="" val="1"/>
+                <ma14:wrappingTextBoxFlag xmlns="" xmlns:ma14="http://schemas.microsoft.com/office/mac/drawingml/2011/main" val="1"/>
               </a:ext>
             </a:extLst>
           </p:spPr>
@@ -9635,7 +9601,7 @@
             </a:ln>
             <a:extLst>
               <a:ext uri="{C572A759-6A51-4108-AA02-DFA0A04FC94B}">
-                <ma14:wrappingTextBoxFlag xmlns:ma14="http://schemas.microsoft.com/office/mac/drawingml/2011/main" xmlns="" val="1"/>
+                <ma14:wrappingTextBoxFlag xmlns="" xmlns:ma14="http://schemas.microsoft.com/office/mac/drawingml/2011/main" val="1"/>
               </a:ext>
             </a:extLst>
           </p:spPr>
@@ -9689,7 +9655,7 @@
             </a:ln>
             <a:extLst>
               <a:ext uri="{C572A759-6A51-4108-AA02-DFA0A04FC94B}">
-                <ma14:wrappingTextBoxFlag xmlns:ma14="http://schemas.microsoft.com/office/mac/drawingml/2011/main" xmlns="" val="1"/>
+                <ma14:wrappingTextBoxFlag xmlns="" xmlns:ma14="http://schemas.microsoft.com/office/mac/drawingml/2011/main" val="1"/>
               </a:ext>
             </a:extLst>
           </p:spPr>
@@ -9743,7 +9709,7 @@
             </a:ln>
             <a:extLst>
               <a:ext uri="{C572A759-6A51-4108-AA02-DFA0A04FC94B}">
-                <ma14:wrappingTextBoxFlag xmlns:ma14="http://schemas.microsoft.com/office/mac/drawingml/2011/main" xmlns="" val="1"/>
+                <ma14:wrappingTextBoxFlag xmlns="" xmlns:ma14="http://schemas.microsoft.com/office/mac/drawingml/2011/main" val="1"/>
               </a:ext>
             </a:extLst>
           </p:spPr>
@@ -9797,7 +9763,7 @@
             </a:ln>
             <a:extLst>
               <a:ext uri="{C572A759-6A51-4108-AA02-DFA0A04FC94B}">
-                <ma14:wrappingTextBoxFlag xmlns:ma14="http://schemas.microsoft.com/office/mac/drawingml/2011/main" xmlns="" val="1"/>
+                <ma14:wrappingTextBoxFlag xmlns="" xmlns:ma14="http://schemas.microsoft.com/office/mac/drawingml/2011/main" val="1"/>
               </a:ext>
             </a:extLst>
           </p:spPr>
@@ -9848,7 +9814,7 @@
             </a:ln>
             <a:extLst>
               <a:ext uri="{C572A759-6A51-4108-AA02-DFA0A04FC94B}">
-                <ma14:wrappingTextBoxFlag xmlns:ma14="http://schemas.microsoft.com/office/mac/drawingml/2011/main" xmlns="" val="1"/>
+                <ma14:wrappingTextBoxFlag xmlns="" xmlns:ma14="http://schemas.microsoft.com/office/mac/drawingml/2011/main" val="1"/>
               </a:ext>
             </a:extLst>
           </p:spPr>
@@ -9881,88 +9847,6 @@
           </p:txBody>
         </p:sp>
       </p:grpSp>
-      <p:sp>
-        <p:nvSpPr>
-          <p:cNvPr id="50" name="Shape 127">
-            <a:extLst>
-              <a:ext uri="{FF2B5EF4-FFF2-40B4-BE49-F238E27FC236}">
-                <a16:creationId xmlns:a16="http://schemas.microsoft.com/office/drawing/2014/main" id="{3F51B6E6-8FE0-CB4B-9C22-130D2199BD83}"/>
-              </a:ext>
-            </a:extLst>
-          </p:cNvPr>
-          <p:cNvSpPr/>
-          <p:nvPr/>
-        </p:nvSpPr>
-        <p:spPr>
-          <a:xfrm>
-            <a:off x="16862718" y="12505104"/>
-            <a:ext cx="7001916" cy="759822"/>
-          </a:xfrm>
-          <a:prstGeom prst="rect">
-            <a:avLst/>
-          </a:prstGeom>
-          <a:ln w="12700">
-            <a:miter lim="400000"/>
-          </a:ln>
-          <a:extLst>
-            <a:ext uri="{C572A759-6A51-4108-AA02-DFA0A04FC94B}">
-              <ma14:wrappingTextBoxFlag xmlns:ma14="http://schemas.microsoft.com/office/mac/drawingml/2011/main" xmlns="" val="1"/>
-            </a:ext>
-          </a:extLst>
-        </p:spPr>
-        <p:txBody>
-          <a:bodyPr wrap="none" lIns="71437" tIns="71437" rIns="71437" bIns="71437" anchor="ctr">
-            <a:spAutoFit/>
-          </a:bodyPr>
-          <a:lstStyle/>
-          <a:p>
-            <a:pPr algn="r">
-              <a:defRPr sz="2000" b="0">
-                <a:solidFill>
-                  <a:srgbClr val="919191"/>
-                </a:solidFill>
-                <a:latin typeface="Montserrat Medium"/>
-                <a:ea typeface="Montserrat Medium"/>
-                <a:cs typeface="Montserrat Medium"/>
-                <a:sym typeface="Montserrat Medium"/>
-              </a:defRPr>
-            </a:pPr>
-            <a:r>
-              <a:rPr dirty="0"/>
-              <a:t>Image Attribution:</a:t>
-            </a:r>
-            <a:r>
-              <a:rPr lang="en-AU" dirty="0"/>
-              <a:t> Callum Hill, https://</a:t>
-            </a:r>
-            <a:r>
-              <a:rPr lang="en-AU" dirty="0" err="1"/>
-              <a:t>unsplash.com</a:t>
-            </a:r>
-            <a:r>
-              <a:rPr lang="en-AU" dirty="0"/>
-              <a:t>/</a:t>
-            </a:r>
-          </a:p>
-          <a:p>
-            <a:pPr algn="r">
-              <a:defRPr sz="2000" b="0">
-                <a:solidFill>
-                  <a:srgbClr val="919191"/>
-                </a:solidFill>
-                <a:latin typeface="Montserrat Medium"/>
-                <a:ea typeface="Montserrat Medium"/>
-                <a:cs typeface="Montserrat Medium"/>
-                <a:sym typeface="Montserrat Medium"/>
-              </a:defRPr>
-            </a:pPr>
-            <a:r>
-              <a:rPr lang="en-AU" dirty="0"/>
-              <a:t>photos/L7V4rwETDb0</a:t>
-            </a:r>
-          </a:p>
-        </p:txBody>
-      </p:sp>
       <p:sp>
         <p:nvSpPr>
           <p:cNvPr id="114" name="Shape 144">
@@ -10040,6 +9924,71 @@
           </a:p>
         </p:txBody>
       </p:sp>
+      <p:sp>
+        <p:nvSpPr>
+          <p:cNvPr id="69" name="Shape 127">
+            <a:extLst>
+              <a:ext uri="{FF2B5EF4-FFF2-40B4-BE49-F238E27FC236}">
+                <a16:creationId xmlns:a16="http://schemas.microsoft.com/office/drawing/2014/main" id="{917EDE02-8B2E-5742-8B6A-847C2910B5B8}"/>
+              </a:ext>
+            </a:extLst>
+          </p:cNvPr>
+          <p:cNvSpPr/>
+          <p:nvPr/>
+        </p:nvSpPr>
+        <p:spPr>
+          <a:xfrm>
+            <a:off x="12487275" y="12658992"/>
+            <a:ext cx="11377359" cy="452046"/>
+          </a:xfrm>
+          <a:prstGeom prst="rect">
+            <a:avLst/>
+          </a:prstGeom>
+          <a:ln w="12700">
+            <a:miter lim="400000"/>
+          </a:ln>
+          <a:extLst>
+            <a:ext uri="{C572A759-6A51-4108-AA02-DFA0A04FC94B}">
+              <ma14:wrappingTextBoxFlag xmlns="" xmlns:ma14="http://schemas.microsoft.com/office/mac/drawingml/2011/main" val="1"/>
+            </a:ext>
+          </a:extLst>
+        </p:spPr>
+        <p:txBody>
+          <a:bodyPr wrap="square" lIns="71437" tIns="71437" rIns="71437" bIns="71437" anchor="ctr">
+            <a:spAutoFit/>
+          </a:bodyPr>
+          <a:lstStyle/>
+          <a:p>
+            <a:pPr algn="r">
+              <a:defRPr sz="2000" b="0">
+                <a:solidFill>
+                  <a:srgbClr val="919191"/>
+                </a:solidFill>
+                <a:latin typeface="Montserrat Medium"/>
+                <a:ea typeface="Montserrat Medium"/>
+                <a:cs typeface="Montserrat Medium"/>
+                <a:sym typeface="Montserrat Medium"/>
+              </a:defRPr>
+            </a:pPr>
+            <a:r>
+              <a:rPr dirty="0"/>
+              <a:t>Image Attribution:</a:t>
+            </a:r>
+            <a:r>
+              <a:rPr lang="en-AU" dirty="0"/>
+              <a:t> Callum Hill, https://</a:t>
+            </a:r>
+            <a:r>
+              <a:rPr lang="en-AU" dirty="0" err="1"/>
+              <a:t>unsplash.com</a:t>
+            </a:r>
+            <a:r>
+              <a:rPr lang="en-AU" dirty="0"/>
+              <a:t>/photos/L7V4rwETDb0</a:t>
+            </a:r>
+          </a:p>
+        </p:txBody>
+      </p:sp>
     </p:spTree>
   </p:cSld>
   <p:clrMapOvr>
@@ -10091,7 +10040,7 @@
           </a:ln>
           <a:extLst>
             <a:ext uri="{C572A759-6A51-4108-AA02-DFA0A04FC94B}">
-              <ma14:wrappingTextBoxFlag xmlns:ma14="http://schemas.microsoft.com/office/mac/drawingml/2011/main" xmlns="" val="1"/>
+              <ma14:wrappingTextBoxFlag xmlns="" xmlns:ma14="http://schemas.microsoft.com/office/mac/drawingml/2011/main" val="1"/>
             </a:ext>
           </a:extLst>
         </p:spPr>
@@ -10153,7 +10102,7 @@
           </a:ln>
           <a:extLst>
             <a:ext uri="{C572A759-6A51-4108-AA02-DFA0A04FC94B}">
-              <ma14:wrappingTextBoxFlag xmlns:ma14="http://schemas.microsoft.com/office/mac/drawingml/2011/main" xmlns="" val="1"/>
+              <ma14:wrappingTextBoxFlag xmlns="" xmlns:ma14="http://schemas.microsoft.com/office/mac/drawingml/2011/main" val="1"/>
             </a:ext>
           </a:extLst>
         </p:spPr>
@@ -10215,7 +10164,7 @@
           </a:ln>
           <a:extLst>
             <a:ext uri="{C572A759-6A51-4108-AA02-DFA0A04FC94B}">
-              <ma14:wrappingTextBoxFlag xmlns:ma14="http://schemas.microsoft.com/office/mac/drawingml/2011/main" xmlns="" val="1"/>
+              <ma14:wrappingTextBoxFlag xmlns="" xmlns:ma14="http://schemas.microsoft.com/office/mac/drawingml/2011/main" val="1"/>
             </a:ext>
           </a:extLst>
         </p:spPr>
@@ -10276,7 +10225,7 @@
           </a:ln>
           <a:extLst>
             <a:ext uri="{C572A759-6A51-4108-AA02-DFA0A04FC94B}">
-              <ma14:wrappingTextBoxFlag xmlns:ma14="http://schemas.microsoft.com/office/mac/drawingml/2011/main" xmlns="" val="1"/>
+              <ma14:wrappingTextBoxFlag xmlns="" xmlns:ma14="http://schemas.microsoft.com/office/mac/drawingml/2011/main" val="1"/>
             </a:ext>
           </a:extLst>
         </p:spPr>
@@ -10334,7 +10283,7 @@
           </a:ln>
           <a:extLst>
             <a:ext uri="{C572A759-6A51-4108-AA02-DFA0A04FC94B}">
-              <ma14:wrappingTextBoxFlag xmlns:ma14="http://schemas.microsoft.com/office/mac/drawingml/2011/main" xmlns="" val="1"/>
+              <ma14:wrappingTextBoxFlag xmlns="" xmlns:ma14="http://schemas.microsoft.com/office/mac/drawingml/2011/main" val="1"/>
             </a:ext>
           </a:extLst>
         </p:spPr>
@@ -10396,7 +10345,7 @@
           </a:ln>
           <a:extLst>
             <a:ext uri="{C572A759-6A51-4108-AA02-DFA0A04FC94B}">
-              <ma14:wrappingTextBoxFlag xmlns:ma14="http://schemas.microsoft.com/office/mac/drawingml/2011/main" xmlns="" val="1"/>
+              <ma14:wrappingTextBoxFlag xmlns="" xmlns:ma14="http://schemas.microsoft.com/office/mac/drawingml/2011/main" val="1"/>
             </a:ext>
           </a:extLst>
         </p:spPr>
@@ -10458,7 +10407,7 @@
           </a:ln>
           <a:extLst>
             <a:ext uri="{C572A759-6A51-4108-AA02-DFA0A04FC94B}">
-              <ma14:wrappingTextBoxFlag xmlns:ma14="http://schemas.microsoft.com/office/mac/drawingml/2011/main" xmlns="" val="1"/>
+              <ma14:wrappingTextBoxFlag xmlns="" xmlns:ma14="http://schemas.microsoft.com/office/mac/drawingml/2011/main" val="1"/>
             </a:ext>
           </a:extLst>
         </p:spPr>
@@ -10583,7 +10532,7 @@
           </a:ln>
           <a:extLst>
             <a:ext uri="{C572A759-6A51-4108-AA02-DFA0A04FC94B}">
-              <ma14:wrappingTextBoxFlag xmlns:ma14="http://schemas.microsoft.com/office/mac/drawingml/2011/main" xmlns="" val="1"/>
+              <ma14:wrappingTextBoxFlag xmlns="" xmlns:ma14="http://schemas.microsoft.com/office/mac/drawingml/2011/main" val="1"/>
             </a:ext>
           </a:extLst>
         </p:spPr>
@@ -10719,7 +10668,7 @@
             </a:ln>
             <a:extLst>
               <a:ext uri="{C572A759-6A51-4108-AA02-DFA0A04FC94B}">
-                <ma14:wrappingTextBoxFlag xmlns:ma14="http://schemas.microsoft.com/office/mac/drawingml/2011/main" xmlns="" val="1"/>
+                <ma14:wrappingTextBoxFlag xmlns="" xmlns:ma14="http://schemas.microsoft.com/office/mac/drawingml/2011/main" val="1"/>
               </a:ext>
             </a:extLst>
           </p:spPr>
@@ -10896,7 +10845,7 @@
             </a:ln>
             <a:extLst>
               <a:ext uri="{C572A759-6A51-4108-AA02-DFA0A04FC94B}">
-                <ma14:wrappingTextBoxFlag xmlns:ma14="http://schemas.microsoft.com/office/mac/drawingml/2011/main" xmlns="" val="1"/>
+                <ma14:wrappingTextBoxFlag xmlns="" xmlns:ma14="http://schemas.microsoft.com/office/mac/drawingml/2011/main" val="1"/>
               </a:ext>
             </a:extLst>
           </p:spPr>
@@ -10944,7 +10893,7 @@
             </a:ln>
             <a:extLst>
               <a:ext uri="{C572A759-6A51-4108-AA02-DFA0A04FC94B}">
-                <ma14:wrappingTextBoxFlag xmlns:ma14="http://schemas.microsoft.com/office/mac/drawingml/2011/main" xmlns="" val="1"/>
+                <ma14:wrappingTextBoxFlag xmlns="" xmlns:ma14="http://schemas.microsoft.com/office/mac/drawingml/2011/main" val="1"/>
               </a:ext>
             </a:extLst>
           </p:spPr>
@@ -10992,7 +10941,7 @@
             </a:ln>
             <a:extLst>
               <a:ext uri="{C572A759-6A51-4108-AA02-DFA0A04FC94B}">
-                <ma14:wrappingTextBoxFlag xmlns:ma14="http://schemas.microsoft.com/office/mac/drawingml/2011/main" xmlns="" val="1"/>
+                <ma14:wrappingTextBoxFlag xmlns="" xmlns:ma14="http://schemas.microsoft.com/office/mac/drawingml/2011/main" val="1"/>
               </a:ext>
             </a:extLst>
           </p:spPr>
@@ -11040,7 +10989,7 @@
             </a:ln>
             <a:extLst>
               <a:ext uri="{C572A759-6A51-4108-AA02-DFA0A04FC94B}">
-                <ma14:wrappingTextBoxFlag xmlns:ma14="http://schemas.microsoft.com/office/mac/drawingml/2011/main" xmlns="" val="1"/>
+                <ma14:wrappingTextBoxFlag xmlns="" xmlns:ma14="http://schemas.microsoft.com/office/mac/drawingml/2011/main" val="1"/>
               </a:ext>
             </a:extLst>
           </p:spPr>
@@ -11088,7 +11037,7 @@
             </a:ln>
             <a:extLst>
               <a:ext uri="{C572A759-6A51-4108-AA02-DFA0A04FC94B}">
-                <ma14:wrappingTextBoxFlag xmlns:ma14="http://schemas.microsoft.com/office/mac/drawingml/2011/main" xmlns="" val="1"/>
+                <ma14:wrappingTextBoxFlag xmlns="" xmlns:ma14="http://schemas.microsoft.com/office/mac/drawingml/2011/main" val="1"/>
               </a:ext>
             </a:extLst>
           </p:spPr>
@@ -11136,7 +11085,7 @@
             </a:ln>
             <a:extLst>
               <a:ext uri="{C572A759-6A51-4108-AA02-DFA0A04FC94B}">
-                <ma14:wrappingTextBoxFlag xmlns:ma14="http://schemas.microsoft.com/office/mac/drawingml/2011/main" xmlns="" val="1"/>
+                <ma14:wrappingTextBoxFlag xmlns="" xmlns:ma14="http://schemas.microsoft.com/office/mac/drawingml/2011/main" val="1"/>
               </a:ext>
             </a:extLst>
           </p:spPr>
@@ -11184,7 +11133,7 @@
             </a:ln>
             <a:extLst>
               <a:ext uri="{C572A759-6A51-4108-AA02-DFA0A04FC94B}">
-                <ma14:wrappingTextBoxFlag xmlns:ma14="http://schemas.microsoft.com/office/mac/drawingml/2011/main" xmlns="" val="1"/>
+                <ma14:wrappingTextBoxFlag xmlns="" xmlns:ma14="http://schemas.microsoft.com/office/mac/drawingml/2011/main" val="1"/>
               </a:ext>
             </a:extLst>
           </p:spPr>
@@ -11235,7 +11184,7 @@
             </a:ln>
             <a:extLst>
               <a:ext uri="{C572A759-6A51-4108-AA02-DFA0A04FC94B}">
-                <ma14:wrappingTextBoxFlag xmlns:ma14="http://schemas.microsoft.com/office/mac/drawingml/2011/main" xmlns="" val="1"/>
+                <ma14:wrappingTextBoxFlag xmlns="" xmlns:ma14="http://schemas.microsoft.com/office/mac/drawingml/2011/main" val="1"/>
               </a:ext>
             </a:extLst>
           </p:spPr>
@@ -11512,7 +11461,7 @@
             </a:ln>
             <a:extLst>
               <a:ext uri="{C572A759-6A51-4108-AA02-DFA0A04FC94B}">
-                <ma14:wrappingTextBoxFlag xmlns:ma14="http://schemas.microsoft.com/office/mac/drawingml/2011/main" xmlns="" val="1"/>
+                <ma14:wrappingTextBoxFlag xmlns="" xmlns:ma14="http://schemas.microsoft.com/office/mac/drawingml/2011/main" val="1"/>
               </a:ext>
             </a:extLst>
           </p:spPr>
@@ -11573,7 +11522,7 @@
             </a:ln>
             <a:extLst>
               <a:ext uri="{C572A759-6A51-4108-AA02-DFA0A04FC94B}">
-                <ma14:wrappingTextBoxFlag xmlns:ma14="http://schemas.microsoft.com/office/mac/drawingml/2011/main" xmlns="" val="1"/>
+                <ma14:wrappingTextBoxFlag xmlns="" xmlns:ma14="http://schemas.microsoft.com/office/mac/drawingml/2011/main" val="1"/>
               </a:ext>
             </a:extLst>
           </p:spPr>
@@ -11630,7 +11579,7 @@
             </a:ln>
             <a:extLst>
               <a:ext uri="{C572A759-6A51-4108-AA02-DFA0A04FC94B}">
-                <ma14:wrappingTextBoxFlag xmlns:ma14="http://schemas.microsoft.com/office/mac/drawingml/2011/main" xmlns="" val="1"/>
+                <ma14:wrappingTextBoxFlag xmlns="" xmlns:ma14="http://schemas.microsoft.com/office/mac/drawingml/2011/main" val="1"/>
               </a:ext>
             </a:extLst>
           </p:spPr>
@@ -11822,7 +11771,7 @@
             </a:ln>
             <a:extLst>
               <a:ext uri="{C572A759-6A51-4108-AA02-DFA0A04FC94B}">
-                <ma14:wrappingTextBoxFlag xmlns:ma14="http://schemas.microsoft.com/office/mac/drawingml/2011/main" xmlns="" val="1"/>
+                <ma14:wrappingTextBoxFlag xmlns="" xmlns:ma14="http://schemas.microsoft.com/office/mac/drawingml/2011/main" val="1"/>
               </a:ext>
             </a:extLst>
           </p:spPr>
@@ -11998,7 +11947,7 @@
             </a:ln>
             <a:extLst>
               <a:ext uri="{C572A759-6A51-4108-AA02-DFA0A04FC94B}">
-                <ma14:wrappingTextBoxFlag xmlns:ma14="http://schemas.microsoft.com/office/mac/drawingml/2011/main" xmlns="" val="1"/>
+                <ma14:wrappingTextBoxFlag xmlns="" xmlns:ma14="http://schemas.microsoft.com/office/mac/drawingml/2011/main" val="1"/>
               </a:ext>
             </a:extLst>
           </p:spPr>
@@ -12052,7 +12001,7 @@
             </a:ln>
             <a:extLst>
               <a:ext uri="{C572A759-6A51-4108-AA02-DFA0A04FC94B}">
-                <ma14:wrappingTextBoxFlag xmlns:ma14="http://schemas.microsoft.com/office/mac/drawingml/2011/main" xmlns="" val="1"/>
+                <ma14:wrappingTextBoxFlag xmlns="" xmlns:ma14="http://schemas.microsoft.com/office/mac/drawingml/2011/main" val="1"/>
               </a:ext>
             </a:extLst>
           </p:spPr>
@@ -12106,7 +12055,7 @@
             </a:ln>
             <a:extLst>
               <a:ext uri="{C572A759-6A51-4108-AA02-DFA0A04FC94B}">
-                <ma14:wrappingTextBoxFlag xmlns:ma14="http://schemas.microsoft.com/office/mac/drawingml/2011/main" xmlns="" val="1"/>
+                <ma14:wrappingTextBoxFlag xmlns="" xmlns:ma14="http://schemas.microsoft.com/office/mac/drawingml/2011/main" val="1"/>
               </a:ext>
             </a:extLst>
           </p:spPr>
@@ -12160,7 +12109,7 @@
             </a:ln>
             <a:extLst>
               <a:ext uri="{C572A759-6A51-4108-AA02-DFA0A04FC94B}">
-                <ma14:wrappingTextBoxFlag xmlns:ma14="http://schemas.microsoft.com/office/mac/drawingml/2011/main" xmlns="" val="1"/>
+                <ma14:wrappingTextBoxFlag xmlns="" xmlns:ma14="http://schemas.microsoft.com/office/mac/drawingml/2011/main" val="1"/>
               </a:ext>
             </a:extLst>
           </p:spPr>
@@ -12214,7 +12163,7 @@
             </a:ln>
             <a:extLst>
               <a:ext uri="{C572A759-6A51-4108-AA02-DFA0A04FC94B}">
-                <ma14:wrappingTextBoxFlag xmlns:ma14="http://schemas.microsoft.com/office/mac/drawingml/2011/main" xmlns="" val="1"/>
+                <ma14:wrappingTextBoxFlag xmlns="" xmlns:ma14="http://schemas.microsoft.com/office/mac/drawingml/2011/main" val="1"/>
               </a:ext>
             </a:extLst>
           </p:spPr>
@@ -12268,7 +12217,7 @@
             </a:ln>
             <a:extLst>
               <a:ext uri="{C572A759-6A51-4108-AA02-DFA0A04FC94B}">
-                <ma14:wrappingTextBoxFlag xmlns:ma14="http://schemas.microsoft.com/office/mac/drawingml/2011/main" xmlns="" val="1"/>
+                <ma14:wrappingTextBoxFlag xmlns="" xmlns:ma14="http://schemas.microsoft.com/office/mac/drawingml/2011/main" val="1"/>
               </a:ext>
             </a:extLst>
           </p:spPr>
@@ -12322,7 +12271,7 @@
             </a:ln>
             <a:extLst>
               <a:ext uri="{C572A759-6A51-4108-AA02-DFA0A04FC94B}">
-                <ma14:wrappingTextBoxFlag xmlns:ma14="http://schemas.microsoft.com/office/mac/drawingml/2011/main" xmlns="" val="1"/>
+                <ma14:wrappingTextBoxFlag xmlns="" xmlns:ma14="http://schemas.microsoft.com/office/mac/drawingml/2011/main" val="1"/>
               </a:ext>
             </a:extLst>
           </p:spPr>
@@ -12629,7 +12578,7 @@
             </a:ln>
             <a:extLst>
               <a:ext uri="{C572A759-6A51-4108-AA02-DFA0A04FC94B}">
-                <ma14:wrappingTextBoxFlag xmlns:ma14="http://schemas.microsoft.com/office/mac/drawingml/2011/main" xmlns="" val="1"/>
+                <ma14:wrappingTextBoxFlag xmlns="" xmlns:ma14="http://schemas.microsoft.com/office/mac/drawingml/2011/main" val="1"/>
               </a:ext>
             </a:extLst>
           </p:spPr>
@@ -12820,7 +12769,7 @@
             </a:ln>
             <a:extLst>
               <a:ext uri="{C572A759-6A51-4108-AA02-DFA0A04FC94B}">
-                <ma14:wrappingTextBoxFlag xmlns:ma14="http://schemas.microsoft.com/office/mac/drawingml/2011/main" xmlns="" val="1"/>
+                <ma14:wrappingTextBoxFlag xmlns="" xmlns:ma14="http://schemas.microsoft.com/office/mac/drawingml/2011/main" val="1"/>
               </a:ext>
             </a:extLst>
           </p:spPr>
@@ -13000,7 +12949,7 @@
             </a:ln>
             <a:extLst>
               <a:ext uri="{C572A759-6A51-4108-AA02-DFA0A04FC94B}">
-                <ma14:wrappingTextBoxFlag xmlns:ma14="http://schemas.microsoft.com/office/mac/drawingml/2011/main" xmlns="" val="1"/>
+                <ma14:wrappingTextBoxFlag xmlns="" xmlns:ma14="http://schemas.microsoft.com/office/mac/drawingml/2011/main" val="1"/>
               </a:ext>
             </a:extLst>
           </p:spPr>
@@ -13222,7 +13171,7 @@
             </a:ln>
             <a:extLst>
               <a:ext uri="{C572A759-6A51-4108-AA02-DFA0A04FC94B}">
-                <ma14:wrappingTextBoxFlag xmlns:ma14="http://schemas.microsoft.com/office/mac/drawingml/2011/main" xmlns="" val="1"/>
+                <ma14:wrappingTextBoxFlag xmlns="" xmlns:ma14="http://schemas.microsoft.com/office/mac/drawingml/2011/main" val="1"/>
               </a:ext>
             </a:extLst>
           </p:spPr>
@@ -13276,7 +13225,7 @@
             </a:ln>
             <a:extLst>
               <a:ext uri="{C572A759-6A51-4108-AA02-DFA0A04FC94B}">
-                <ma14:wrappingTextBoxFlag xmlns:ma14="http://schemas.microsoft.com/office/mac/drawingml/2011/main" xmlns="" val="1"/>
+                <ma14:wrappingTextBoxFlag xmlns="" xmlns:ma14="http://schemas.microsoft.com/office/mac/drawingml/2011/main" val="1"/>
               </a:ext>
             </a:extLst>
           </p:spPr>
@@ -13330,7 +13279,7 @@
             </a:ln>
             <a:extLst>
               <a:ext uri="{C572A759-6A51-4108-AA02-DFA0A04FC94B}">
-                <ma14:wrappingTextBoxFlag xmlns:ma14="http://schemas.microsoft.com/office/mac/drawingml/2011/main" xmlns="" val="1"/>
+                <ma14:wrappingTextBoxFlag xmlns="" xmlns:ma14="http://schemas.microsoft.com/office/mac/drawingml/2011/main" val="1"/>
               </a:ext>
             </a:extLst>
           </p:spPr>
@@ -13384,7 +13333,7 @@
             </a:ln>
             <a:extLst>
               <a:ext uri="{C572A759-6A51-4108-AA02-DFA0A04FC94B}">
-                <ma14:wrappingTextBoxFlag xmlns:ma14="http://schemas.microsoft.com/office/mac/drawingml/2011/main" xmlns="" val="1"/>
+                <ma14:wrappingTextBoxFlag xmlns="" xmlns:ma14="http://schemas.microsoft.com/office/mac/drawingml/2011/main" val="1"/>
               </a:ext>
             </a:extLst>
           </p:spPr>
@@ -13438,7 +13387,7 @@
             </a:ln>
             <a:extLst>
               <a:ext uri="{C572A759-6A51-4108-AA02-DFA0A04FC94B}">
-                <ma14:wrappingTextBoxFlag xmlns:ma14="http://schemas.microsoft.com/office/mac/drawingml/2011/main" xmlns="" val="1"/>
+                <ma14:wrappingTextBoxFlag xmlns="" xmlns:ma14="http://schemas.microsoft.com/office/mac/drawingml/2011/main" val="1"/>
               </a:ext>
             </a:extLst>
           </p:spPr>
@@ -13489,7 +13438,7 @@
             </a:ln>
             <a:extLst>
               <a:ext uri="{C572A759-6A51-4108-AA02-DFA0A04FC94B}">
-                <ma14:wrappingTextBoxFlag xmlns:ma14="http://schemas.microsoft.com/office/mac/drawingml/2011/main" xmlns="" val="1"/>
+                <ma14:wrappingTextBoxFlag xmlns="" xmlns:ma14="http://schemas.microsoft.com/office/mac/drawingml/2011/main" val="1"/>
               </a:ext>
             </a:extLst>
           </p:spPr>
@@ -13522,88 +13471,6 @@
           </p:txBody>
         </p:sp>
       </p:grpSp>
-      <p:sp>
-        <p:nvSpPr>
-          <p:cNvPr id="61" name="Shape 127">
-            <a:extLst>
-              <a:ext uri="{FF2B5EF4-FFF2-40B4-BE49-F238E27FC236}">
-                <a16:creationId xmlns:a16="http://schemas.microsoft.com/office/drawing/2014/main" id="{A2BA7D03-80CC-7A47-85A5-7D2B77A2D5E4}"/>
-              </a:ext>
-            </a:extLst>
-          </p:cNvPr>
-          <p:cNvSpPr/>
-          <p:nvPr/>
-        </p:nvSpPr>
-        <p:spPr>
-          <a:xfrm>
-            <a:off x="16862718" y="12505104"/>
-            <a:ext cx="7001916" cy="759822"/>
-          </a:xfrm>
-          <a:prstGeom prst="rect">
-            <a:avLst/>
-          </a:prstGeom>
-          <a:ln w="12700">
-            <a:miter lim="400000"/>
-          </a:ln>
-          <a:extLst>
-            <a:ext uri="{C572A759-6A51-4108-AA02-DFA0A04FC94B}">
-              <ma14:wrappingTextBoxFlag xmlns:ma14="http://schemas.microsoft.com/office/mac/drawingml/2011/main" xmlns="" val="1"/>
-            </a:ext>
-          </a:extLst>
-        </p:spPr>
-        <p:txBody>
-          <a:bodyPr wrap="none" lIns="71437" tIns="71437" rIns="71437" bIns="71437" anchor="ctr">
-            <a:spAutoFit/>
-          </a:bodyPr>
-          <a:lstStyle/>
-          <a:p>
-            <a:pPr algn="r">
-              <a:defRPr sz="2000" b="0">
-                <a:solidFill>
-                  <a:srgbClr val="919191"/>
-                </a:solidFill>
-                <a:latin typeface="Montserrat Medium"/>
-                <a:ea typeface="Montserrat Medium"/>
-                <a:cs typeface="Montserrat Medium"/>
-                <a:sym typeface="Montserrat Medium"/>
-              </a:defRPr>
-            </a:pPr>
-            <a:r>
-              <a:rPr dirty="0"/>
-              <a:t>Image Attribution:</a:t>
-            </a:r>
-            <a:r>
-              <a:rPr lang="en-AU" dirty="0"/>
-              <a:t> Callum Hill, https://</a:t>
-            </a:r>
-            <a:r>
-              <a:rPr lang="en-AU" dirty="0" err="1"/>
-              <a:t>unsplash.com</a:t>
-            </a:r>
-            <a:r>
-              <a:rPr lang="en-AU" dirty="0"/>
-              <a:t>/</a:t>
-            </a:r>
-          </a:p>
-          <a:p>
-            <a:pPr algn="r">
-              <a:defRPr sz="2000" b="0">
-                <a:solidFill>
-                  <a:srgbClr val="919191"/>
-                </a:solidFill>
-                <a:latin typeface="Montserrat Medium"/>
-                <a:ea typeface="Montserrat Medium"/>
-                <a:cs typeface="Montserrat Medium"/>
-                <a:sym typeface="Montserrat Medium"/>
-              </a:defRPr>
-            </a:pPr>
-            <a:r>
-              <a:rPr lang="en-AU" dirty="0"/>
-              <a:t>photos/L7V4rwETDb0</a:t>
-            </a:r>
-          </a:p>
-        </p:txBody>
-      </p:sp>
       <p:sp>
         <p:nvSpPr>
           <p:cNvPr id="62" name="Shape 144">
@@ -13681,6 +13548,71 @@
           </a:p>
         </p:txBody>
       </p:sp>
+      <p:sp>
+        <p:nvSpPr>
+          <p:cNvPr id="70" name="Shape 127">
+            <a:extLst>
+              <a:ext uri="{FF2B5EF4-FFF2-40B4-BE49-F238E27FC236}">
+                <a16:creationId xmlns:a16="http://schemas.microsoft.com/office/drawing/2014/main" id="{44638E31-5CCF-9243-887F-524297DEAEE1}"/>
+              </a:ext>
+            </a:extLst>
+          </p:cNvPr>
+          <p:cNvSpPr/>
+          <p:nvPr/>
+        </p:nvSpPr>
+        <p:spPr>
+          <a:xfrm>
+            <a:off x="12487275" y="12658992"/>
+            <a:ext cx="11377359" cy="452046"/>
+          </a:xfrm>
+          <a:prstGeom prst="rect">
+            <a:avLst/>
+          </a:prstGeom>
+          <a:ln w="12700">
+            <a:miter lim="400000"/>
+          </a:ln>
+          <a:extLst>
+            <a:ext uri="{C572A759-6A51-4108-AA02-DFA0A04FC94B}">
+              <ma14:wrappingTextBoxFlag xmlns="" xmlns:ma14="http://schemas.microsoft.com/office/mac/drawingml/2011/main" val="1"/>
+            </a:ext>
+          </a:extLst>
+        </p:spPr>
+        <p:txBody>
+          <a:bodyPr wrap="square" lIns="71437" tIns="71437" rIns="71437" bIns="71437" anchor="ctr">
+            <a:spAutoFit/>
+          </a:bodyPr>
+          <a:lstStyle/>
+          <a:p>
+            <a:pPr algn="r">
+              <a:defRPr sz="2000" b="0">
+                <a:solidFill>
+                  <a:srgbClr val="919191"/>
+                </a:solidFill>
+                <a:latin typeface="Montserrat Medium"/>
+                <a:ea typeface="Montserrat Medium"/>
+                <a:cs typeface="Montserrat Medium"/>
+                <a:sym typeface="Montserrat Medium"/>
+              </a:defRPr>
+            </a:pPr>
+            <a:r>
+              <a:rPr dirty="0"/>
+              <a:t>Image Attribution:</a:t>
+            </a:r>
+            <a:r>
+              <a:rPr lang="en-AU" dirty="0"/>
+              <a:t> Callum Hill, https://</a:t>
+            </a:r>
+            <a:r>
+              <a:rPr lang="en-AU" dirty="0" err="1"/>
+              <a:t>unsplash.com</a:t>
+            </a:r>
+            <a:r>
+              <a:rPr lang="en-AU" dirty="0"/>
+              <a:t>/photos/L7V4rwETDb0</a:t>
+            </a:r>
+          </a:p>
+        </p:txBody>
+      </p:sp>
     </p:spTree>
   </p:cSld>
   <p:clrMapOvr>
@@ -13732,7 +13664,7 @@
           </a:ln>
           <a:extLst>
             <a:ext uri="{C572A759-6A51-4108-AA02-DFA0A04FC94B}">
-              <ma14:wrappingTextBoxFlag xmlns:ma14="http://schemas.microsoft.com/office/mac/drawingml/2011/main" xmlns="" val="1"/>
+              <ma14:wrappingTextBoxFlag xmlns="" xmlns:ma14="http://schemas.microsoft.com/office/mac/drawingml/2011/main" val="1"/>
             </a:ext>
           </a:extLst>
         </p:spPr>
@@ -13794,7 +13726,7 @@
           </a:ln>
           <a:extLst>
             <a:ext uri="{C572A759-6A51-4108-AA02-DFA0A04FC94B}">
-              <ma14:wrappingTextBoxFlag xmlns:ma14="http://schemas.microsoft.com/office/mac/drawingml/2011/main" xmlns="" val="1"/>
+              <ma14:wrappingTextBoxFlag xmlns="" xmlns:ma14="http://schemas.microsoft.com/office/mac/drawingml/2011/main" val="1"/>
             </a:ext>
           </a:extLst>
         </p:spPr>
@@ -13856,7 +13788,7 @@
           </a:ln>
           <a:extLst>
             <a:ext uri="{C572A759-6A51-4108-AA02-DFA0A04FC94B}">
-              <ma14:wrappingTextBoxFlag xmlns:ma14="http://schemas.microsoft.com/office/mac/drawingml/2011/main" xmlns="" val="1"/>
+              <ma14:wrappingTextBoxFlag xmlns="" xmlns:ma14="http://schemas.microsoft.com/office/mac/drawingml/2011/main" val="1"/>
             </a:ext>
           </a:extLst>
         </p:spPr>
@@ -13917,7 +13849,7 @@
           </a:ln>
           <a:extLst>
             <a:ext uri="{C572A759-6A51-4108-AA02-DFA0A04FC94B}">
-              <ma14:wrappingTextBoxFlag xmlns:ma14="http://schemas.microsoft.com/office/mac/drawingml/2011/main" xmlns="" val="1"/>
+              <ma14:wrappingTextBoxFlag xmlns="" xmlns:ma14="http://schemas.microsoft.com/office/mac/drawingml/2011/main" val="1"/>
             </a:ext>
           </a:extLst>
         </p:spPr>
@@ -13975,7 +13907,7 @@
           </a:ln>
           <a:extLst>
             <a:ext uri="{C572A759-6A51-4108-AA02-DFA0A04FC94B}">
-              <ma14:wrappingTextBoxFlag xmlns:ma14="http://schemas.microsoft.com/office/mac/drawingml/2011/main" xmlns="" val="1"/>
+              <ma14:wrappingTextBoxFlag xmlns="" xmlns:ma14="http://schemas.microsoft.com/office/mac/drawingml/2011/main" val="1"/>
             </a:ext>
           </a:extLst>
         </p:spPr>
@@ -14037,7 +13969,7 @@
           </a:ln>
           <a:extLst>
             <a:ext uri="{C572A759-6A51-4108-AA02-DFA0A04FC94B}">
-              <ma14:wrappingTextBoxFlag xmlns:ma14="http://schemas.microsoft.com/office/mac/drawingml/2011/main" xmlns="" val="1"/>
+              <ma14:wrappingTextBoxFlag xmlns="" xmlns:ma14="http://schemas.microsoft.com/office/mac/drawingml/2011/main" val="1"/>
             </a:ext>
           </a:extLst>
         </p:spPr>
@@ -14099,7 +14031,7 @@
           </a:ln>
           <a:extLst>
             <a:ext uri="{C572A759-6A51-4108-AA02-DFA0A04FC94B}">
-              <ma14:wrappingTextBoxFlag xmlns:ma14="http://schemas.microsoft.com/office/mac/drawingml/2011/main" xmlns="" val="1"/>
+              <ma14:wrappingTextBoxFlag xmlns="" xmlns:ma14="http://schemas.microsoft.com/office/mac/drawingml/2011/main" val="1"/>
             </a:ext>
           </a:extLst>
         </p:spPr>
@@ -14224,7 +14156,7 @@
           </a:ln>
           <a:extLst>
             <a:ext uri="{C572A759-6A51-4108-AA02-DFA0A04FC94B}">
-              <ma14:wrappingTextBoxFlag xmlns:ma14="http://schemas.microsoft.com/office/mac/drawingml/2011/main" xmlns="" val="1"/>
+              <ma14:wrappingTextBoxFlag xmlns="" xmlns:ma14="http://schemas.microsoft.com/office/mac/drawingml/2011/main" val="1"/>
             </a:ext>
           </a:extLst>
         </p:spPr>
@@ -14403,7 +14335,7 @@
             </a:ln>
             <a:extLst>
               <a:ext uri="{C572A759-6A51-4108-AA02-DFA0A04FC94B}">
-                <ma14:wrappingTextBoxFlag xmlns:ma14="http://schemas.microsoft.com/office/mac/drawingml/2011/main" xmlns="" val="1"/>
+                <ma14:wrappingTextBoxFlag xmlns="" xmlns:ma14="http://schemas.microsoft.com/office/mac/drawingml/2011/main" val="1"/>
               </a:ext>
             </a:extLst>
           </p:spPr>
@@ -14451,7 +14383,7 @@
             </a:ln>
             <a:extLst>
               <a:ext uri="{C572A759-6A51-4108-AA02-DFA0A04FC94B}">
-                <ma14:wrappingTextBoxFlag xmlns:ma14="http://schemas.microsoft.com/office/mac/drawingml/2011/main" xmlns="" val="1"/>
+                <ma14:wrappingTextBoxFlag xmlns="" xmlns:ma14="http://schemas.microsoft.com/office/mac/drawingml/2011/main" val="1"/>
               </a:ext>
             </a:extLst>
           </p:spPr>
@@ -14499,7 +14431,7 @@
             </a:ln>
             <a:extLst>
               <a:ext uri="{C572A759-6A51-4108-AA02-DFA0A04FC94B}">
-                <ma14:wrappingTextBoxFlag xmlns:ma14="http://schemas.microsoft.com/office/mac/drawingml/2011/main" xmlns="" val="1"/>
+                <ma14:wrappingTextBoxFlag xmlns="" xmlns:ma14="http://schemas.microsoft.com/office/mac/drawingml/2011/main" val="1"/>
               </a:ext>
             </a:extLst>
           </p:spPr>
@@ -14547,7 +14479,7 @@
             </a:ln>
             <a:extLst>
               <a:ext uri="{C572A759-6A51-4108-AA02-DFA0A04FC94B}">
-                <ma14:wrappingTextBoxFlag xmlns:ma14="http://schemas.microsoft.com/office/mac/drawingml/2011/main" xmlns="" val="1"/>
+                <ma14:wrappingTextBoxFlag xmlns="" xmlns:ma14="http://schemas.microsoft.com/office/mac/drawingml/2011/main" val="1"/>
               </a:ext>
             </a:extLst>
           </p:spPr>
@@ -14595,7 +14527,7 @@
             </a:ln>
             <a:extLst>
               <a:ext uri="{C572A759-6A51-4108-AA02-DFA0A04FC94B}">
-                <ma14:wrappingTextBoxFlag xmlns:ma14="http://schemas.microsoft.com/office/mac/drawingml/2011/main" xmlns="" val="1"/>
+                <ma14:wrappingTextBoxFlag xmlns="" xmlns:ma14="http://schemas.microsoft.com/office/mac/drawingml/2011/main" val="1"/>
               </a:ext>
             </a:extLst>
           </p:spPr>
@@ -14643,7 +14575,7 @@
             </a:ln>
             <a:extLst>
               <a:ext uri="{C572A759-6A51-4108-AA02-DFA0A04FC94B}">
-                <ma14:wrappingTextBoxFlag xmlns:ma14="http://schemas.microsoft.com/office/mac/drawingml/2011/main" xmlns="" val="1"/>
+                <ma14:wrappingTextBoxFlag xmlns="" xmlns:ma14="http://schemas.microsoft.com/office/mac/drawingml/2011/main" val="1"/>
               </a:ext>
             </a:extLst>
           </p:spPr>
@@ -14691,7 +14623,7 @@
             </a:ln>
             <a:extLst>
               <a:ext uri="{C572A759-6A51-4108-AA02-DFA0A04FC94B}">
-                <ma14:wrappingTextBoxFlag xmlns:ma14="http://schemas.microsoft.com/office/mac/drawingml/2011/main" xmlns="" val="1"/>
+                <ma14:wrappingTextBoxFlag xmlns="" xmlns:ma14="http://schemas.microsoft.com/office/mac/drawingml/2011/main" val="1"/>
               </a:ext>
             </a:extLst>
           </p:spPr>
@@ -14742,7 +14674,7 @@
             </a:ln>
             <a:extLst>
               <a:ext uri="{C572A759-6A51-4108-AA02-DFA0A04FC94B}">
-                <ma14:wrappingTextBoxFlag xmlns:ma14="http://schemas.microsoft.com/office/mac/drawingml/2011/main" xmlns="" val="1"/>
+                <ma14:wrappingTextBoxFlag xmlns="" xmlns:ma14="http://schemas.microsoft.com/office/mac/drawingml/2011/main" val="1"/>
               </a:ext>
             </a:extLst>
           </p:spPr>
@@ -14798,7 +14730,7 @@
             </a:ln>
             <a:extLst>
               <a:ext uri="{C572A759-6A51-4108-AA02-DFA0A04FC94B}">
-                <ma14:wrappingTextBoxFlag xmlns:ma14="http://schemas.microsoft.com/office/mac/drawingml/2011/main" xmlns="" val="1"/>
+                <ma14:wrappingTextBoxFlag xmlns="" xmlns:ma14="http://schemas.microsoft.com/office/mac/drawingml/2011/main" val="1"/>
               </a:ext>
             </a:extLst>
           </p:spPr>
@@ -15189,7 +15121,7 @@
             </a:ln>
             <a:extLst>
               <a:ext uri="{C572A759-6A51-4108-AA02-DFA0A04FC94B}">
-                <ma14:wrappingTextBoxFlag xmlns:ma14="http://schemas.microsoft.com/office/mac/drawingml/2011/main" xmlns="" val="1"/>
+                <ma14:wrappingTextBoxFlag xmlns="" xmlns:ma14="http://schemas.microsoft.com/office/mac/drawingml/2011/main" val="1"/>
               </a:ext>
             </a:extLst>
           </p:spPr>
@@ -15380,7 +15312,7 @@
             </a:ln>
             <a:extLst>
               <a:ext uri="{C572A759-6A51-4108-AA02-DFA0A04FC94B}">
-                <ma14:wrappingTextBoxFlag xmlns:ma14="http://schemas.microsoft.com/office/mac/drawingml/2011/main" xmlns="" val="1"/>
+                <ma14:wrappingTextBoxFlag xmlns="" xmlns:ma14="http://schemas.microsoft.com/office/mac/drawingml/2011/main" val="1"/>
               </a:ext>
             </a:extLst>
           </p:spPr>
@@ -15437,7 +15369,7 @@
             </a:ln>
             <a:extLst>
               <a:ext uri="{C572A759-6A51-4108-AA02-DFA0A04FC94B}">
-                <ma14:wrappingTextBoxFlag xmlns:ma14="http://schemas.microsoft.com/office/mac/drawingml/2011/main" xmlns="" val="1"/>
+                <ma14:wrappingTextBoxFlag xmlns="" xmlns:ma14="http://schemas.microsoft.com/office/mac/drawingml/2011/main" val="1"/>
               </a:ext>
             </a:extLst>
           </p:spPr>
@@ -15633,7 +15565,7 @@
             </a:ln>
             <a:extLst>
               <a:ext uri="{C572A759-6A51-4108-AA02-DFA0A04FC94B}">
-                <ma14:wrappingTextBoxFlag xmlns:ma14="http://schemas.microsoft.com/office/mac/drawingml/2011/main" xmlns="" val="1"/>
+                <ma14:wrappingTextBoxFlag xmlns="" xmlns:ma14="http://schemas.microsoft.com/office/mac/drawingml/2011/main" val="1"/>
               </a:ext>
             </a:extLst>
           </p:spPr>
@@ -15855,7 +15787,7 @@
             </a:ln>
             <a:extLst>
               <a:ext uri="{C572A759-6A51-4108-AA02-DFA0A04FC94B}">
-                <ma14:wrappingTextBoxFlag xmlns:ma14="http://schemas.microsoft.com/office/mac/drawingml/2011/main" xmlns="" val="1"/>
+                <ma14:wrappingTextBoxFlag xmlns="" xmlns:ma14="http://schemas.microsoft.com/office/mac/drawingml/2011/main" val="1"/>
               </a:ext>
             </a:extLst>
           </p:spPr>
@@ -15909,7 +15841,7 @@
             </a:ln>
             <a:extLst>
               <a:ext uri="{C572A759-6A51-4108-AA02-DFA0A04FC94B}">
-                <ma14:wrappingTextBoxFlag xmlns:ma14="http://schemas.microsoft.com/office/mac/drawingml/2011/main" xmlns="" val="1"/>
+                <ma14:wrappingTextBoxFlag xmlns="" xmlns:ma14="http://schemas.microsoft.com/office/mac/drawingml/2011/main" val="1"/>
               </a:ext>
             </a:extLst>
           </p:spPr>
@@ -15963,7 +15895,7 @@
             </a:ln>
             <a:extLst>
               <a:ext uri="{C572A759-6A51-4108-AA02-DFA0A04FC94B}">
-                <ma14:wrappingTextBoxFlag xmlns:ma14="http://schemas.microsoft.com/office/mac/drawingml/2011/main" xmlns="" val="1"/>
+                <ma14:wrappingTextBoxFlag xmlns="" xmlns:ma14="http://schemas.microsoft.com/office/mac/drawingml/2011/main" val="1"/>
               </a:ext>
             </a:extLst>
           </p:spPr>
@@ -16017,7 +15949,7 @@
             </a:ln>
             <a:extLst>
               <a:ext uri="{C572A759-6A51-4108-AA02-DFA0A04FC94B}">
-                <ma14:wrappingTextBoxFlag xmlns:ma14="http://schemas.microsoft.com/office/mac/drawingml/2011/main" xmlns="" val="1"/>
+                <ma14:wrappingTextBoxFlag xmlns="" xmlns:ma14="http://schemas.microsoft.com/office/mac/drawingml/2011/main" val="1"/>
               </a:ext>
             </a:extLst>
           </p:spPr>
@@ -16071,7 +16003,7 @@
             </a:ln>
             <a:extLst>
               <a:ext uri="{C572A759-6A51-4108-AA02-DFA0A04FC94B}">
-                <ma14:wrappingTextBoxFlag xmlns:ma14="http://schemas.microsoft.com/office/mac/drawingml/2011/main" xmlns="" val="1"/>
+                <ma14:wrappingTextBoxFlag xmlns="" xmlns:ma14="http://schemas.microsoft.com/office/mac/drawingml/2011/main" val="1"/>
               </a:ext>
             </a:extLst>
           </p:spPr>
@@ -16122,7 +16054,7 @@
             </a:ln>
             <a:extLst>
               <a:ext uri="{C572A759-6A51-4108-AA02-DFA0A04FC94B}">
-                <ma14:wrappingTextBoxFlag xmlns:ma14="http://schemas.microsoft.com/office/mac/drawingml/2011/main" xmlns="" val="1"/>
+                <ma14:wrappingTextBoxFlag xmlns="" xmlns:ma14="http://schemas.microsoft.com/office/mac/drawingml/2011/main" val="1"/>
               </a:ext>
             </a:extLst>
           </p:spPr>
@@ -16234,10 +16166,10 @@
       </p:sp>
       <p:sp>
         <p:nvSpPr>
-          <p:cNvPr id="46" name="Shape 127">
+          <p:cNvPr id="47" name="Shape 127">
             <a:extLst>
               <a:ext uri="{FF2B5EF4-FFF2-40B4-BE49-F238E27FC236}">
-                <a16:creationId xmlns:a16="http://schemas.microsoft.com/office/drawing/2014/main" id="{98F4E3D8-9955-6740-AB25-DF72FA94AF62}"/>
+                <a16:creationId xmlns:a16="http://schemas.microsoft.com/office/drawing/2014/main" id="{247C9985-CE54-2A40-B98E-0D8048A079DD}"/>
               </a:ext>
             </a:extLst>
           </p:cNvPr>
@@ -16246,8 +16178,8 @@
         </p:nvSpPr>
         <p:spPr>
           <a:xfrm>
-            <a:off x="16862718" y="12505104"/>
-            <a:ext cx="7001916" cy="759822"/>
+            <a:off x="12487275" y="12658992"/>
+            <a:ext cx="11377359" cy="452046"/>
           </a:xfrm>
           <a:prstGeom prst="rect">
             <a:avLst/>
@@ -16257,12 +16189,12 @@
           </a:ln>
           <a:extLst>
             <a:ext uri="{C572A759-6A51-4108-AA02-DFA0A04FC94B}">
-              <ma14:wrappingTextBoxFlag xmlns:ma14="http://schemas.microsoft.com/office/mac/drawingml/2011/main" xmlns="" val="1"/>
+              <ma14:wrappingTextBoxFlag xmlns="" xmlns:ma14="http://schemas.microsoft.com/office/mac/drawingml/2011/main" val="1"/>
             </a:ext>
           </a:extLst>
         </p:spPr>
         <p:txBody>
-          <a:bodyPr wrap="none" lIns="71437" tIns="71437" rIns="71437" bIns="71437" anchor="ctr">
+          <a:bodyPr wrap="square" lIns="71437" tIns="71437" rIns="71437" bIns="71437" anchor="ctr">
             <a:spAutoFit/>
           </a:bodyPr>
           <a:lstStyle/>
@@ -16292,24 +16224,7 @@
             </a:r>
             <a:r>
               <a:rPr lang="en-AU" dirty="0"/>
-              <a:t>/</a:t>
-            </a:r>
-          </a:p>
-          <a:p>
-            <a:pPr algn="r">
-              <a:defRPr sz="2000" b="0">
-                <a:solidFill>
-                  <a:srgbClr val="919191"/>
-                </a:solidFill>
-                <a:latin typeface="Montserrat Medium"/>
-                <a:ea typeface="Montserrat Medium"/>
-                <a:cs typeface="Montserrat Medium"/>
-                <a:sym typeface="Montserrat Medium"/>
-              </a:defRPr>
-            </a:pPr>
-            <a:r>
-              <a:rPr lang="en-AU" dirty="0"/>
-              <a:t>photos/L7V4rwETDb0</a:t>
+              <a:t>/photos/L7V4rwETDb0</a:t>
             </a:r>
           </a:p>
         </p:txBody>
@@ -16342,6 +16257,71 @@
       </p:grpSpPr>
       <p:sp>
         <p:nvSpPr>
+          <p:cNvPr id="73" name="Shape 127">
+            <a:extLst>
+              <a:ext uri="{FF2B5EF4-FFF2-40B4-BE49-F238E27FC236}">
+                <a16:creationId xmlns:a16="http://schemas.microsoft.com/office/drawing/2014/main" id="{B17C925A-4D85-0540-9933-41A640661741}"/>
+              </a:ext>
+            </a:extLst>
+          </p:cNvPr>
+          <p:cNvSpPr/>
+          <p:nvPr/>
+        </p:nvSpPr>
+        <p:spPr>
+          <a:xfrm>
+            <a:off x="12487275" y="12658992"/>
+            <a:ext cx="11377359" cy="452046"/>
+          </a:xfrm>
+          <a:prstGeom prst="rect">
+            <a:avLst/>
+          </a:prstGeom>
+          <a:ln w="12700">
+            <a:miter lim="400000"/>
+          </a:ln>
+          <a:extLst>
+            <a:ext uri="{C572A759-6A51-4108-AA02-DFA0A04FC94B}">
+              <ma14:wrappingTextBoxFlag xmlns="" xmlns:ma14="http://schemas.microsoft.com/office/mac/drawingml/2011/main" val="1"/>
+            </a:ext>
+          </a:extLst>
+        </p:spPr>
+        <p:txBody>
+          <a:bodyPr wrap="square" lIns="71437" tIns="71437" rIns="71437" bIns="71437" anchor="ctr">
+            <a:spAutoFit/>
+          </a:bodyPr>
+          <a:lstStyle/>
+          <a:p>
+            <a:pPr algn="r">
+              <a:defRPr sz="2000" b="0">
+                <a:solidFill>
+                  <a:srgbClr val="919191"/>
+                </a:solidFill>
+                <a:latin typeface="Montserrat Medium"/>
+                <a:ea typeface="Montserrat Medium"/>
+                <a:cs typeface="Montserrat Medium"/>
+                <a:sym typeface="Montserrat Medium"/>
+              </a:defRPr>
+            </a:pPr>
+            <a:r>
+              <a:rPr dirty="0"/>
+              <a:t>Image Attribution:</a:t>
+            </a:r>
+            <a:r>
+              <a:rPr lang="en-AU" dirty="0"/>
+              <a:t> Callum Hill, https://</a:t>
+            </a:r>
+            <a:r>
+              <a:rPr lang="en-AU" dirty="0" err="1"/>
+              <a:t>unsplash.com</a:t>
+            </a:r>
+            <a:r>
+              <a:rPr lang="en-AU" dirty="0"/>
+              <a:t>/photos/L7V4rwETDb0</a:t>
+            </a:r>
+          </a:p>
+        </p:txBody>
+      </p:sp>
+      <p:sp>
+        <p:nvSpPr>
           <p:cNvPr id="63" name="Shape 160">
             <a:extLst>
               <a:ext uri="{FF2B5EF4-FFF2-40B4-BE49-F238E27FC236}">
@@ -16365,7 +16345,7 @@
           </a:ln>
           <a:extLst>
             <a:ext uri="{C572A759-6A51-4108-AA02-DFA0A04FC94B}">
-              <ma14:wrappingTextBoxFlag xmlns:ma14="http://schemas.microsoft.com/office/mac/drawingml/2011/main" xmlns="" val="1"/>
+              <ma14:wrappingTextBoxFlag xmlns="" xmlns:ma14="http://schemas.microsoft.com/office/mac/drawingml/2011/main" val="1"/>
             </a:ext>
           </a:extLst>
         </p:spPr>
@@ -16427,7 +16407,7 @@
           </a:ln>
           <a:extLst>
             <a:ext uri="{C572A759-6A51-4108-AA02-DFA0A04FC94B}">
-              <ma14:wrappingTextBoxFlag xmlns:ma14="http://schemas.microsoft.com/office/mac/drawingml/2011/main" xmlns="" val="1"/>
+              <ma14:wrappingTextBoxFlag xmlns="" xmlns:ma14="http://schemas.microsoft.com/office/mac/drawingml/2011/main" val="1"/>
             </a:ext>
           </a:extLst>
         </p:spPr>
@@ -16489,7 +16469,7 @@
           </a:ln>
           <a:extLst>
             <a:ext uri="{C572A759-6A51-4108-AA02-DFA0A04FC94B}">
-              <ma14:wrappingTextBoxFlag xmlns:ma14="http://schemas.microsoft.com/office/mac/drawingml/2011/main" xmlns="" val="1"/>
+              <ma14:wrappingTextBoxFlag xmlns="" xmlns:ma14="http://schemas.microsoft.com/office/mac/drawingml/2011/main" val="1"/>
             </a:ext>
           </a:extLst>
         </p:spPr>
@@ -16550,7 +16530,7 @@
           </a:ln>
           <a:extLst>
             <a:ext uri="{C572A759-6A51-4108-AA02-DFA0A04FC94B}">
-              <ma14:wrappingTextBoxFlag xmlns:ma14="http://schemas.microsoft.com/office/mac/drawingml/2011/main" xmlns="" val="1"/>
+              <ma14:wrappingTextBoxFlag xmlns="" xmlns:ma14="http://schemas.microsoft.com/office/mac/drawingml/2011/main" val="1"/>
             </a:ext>
           </a:extLst>
         </p:spPr>
@@ -16608,7 +16588,7 @@
           </a:ln>
           <a:extLst>
             <a:ext uri="{C572A759-6A51-4108-AA02-DFA0A04FC94B}">
-              <ma14:wrappingTextBoxFlag xmlns:ma14="http://schemas.microsoft.com/office/mac/drawingml/2011/main" xmlns="" val="1"/>
+              <ma14:wrappingTextBoxFlag xmlns="" xmlns:ma14="http://schemas.microsoft.com/office/mac/drawingml/2011/main" val="1"/>
             </a:ext>
           </a:extLst>
         </p:spPr>
@@ -16670,7 +16650,7 @@
           </a:ln>
           <a:extLst>
             <a:ext uri="{C572A759-6A51-4108-AA02-DFA0A04FC94B}">
-              <ma14:wrappingTextBoxFlag xmlns:ma14="http://schemas.microsoft.com/office/mac/drawingml/2011/main" xmlns="" val="1"/>
+              <ma14:wrappingTextBoxFlag xmlns="" xmlns:ma14="http://schemas.microsoft.com/office/mac/drawingml/2011/main" val="1"/>
             </a:ext>
           </a:extLst>
         </p:spPr>
@@ -16732,7 +16712,7 @@
           </a:ln>
           <a:extLst>
             <a:ext uri="{C572A759-6A51-4108-AA02-DFA0A04FC94B}">
-              <ma14:wrappingTextBoxFlag xmlns:ma14="http://schemas.microsoft.com/office/mac/drawingml/2011/main" xmlns="" val="1"/>
+              <ma14:wrappingTextBoxFlag xmlns="" xmlns:ma14="http://schemas.microsoft.com/office/mac/drawingml/2011/main" val="1"/>
             </a:ext>
           </a:extLst>
         </p:spPr>
@@ -16857,7 +16837,7 @@
           </a:ln>
           <a:extLst>
             <a:ext uri="{C572A759-6A51-4108-AA02-DFA0A04FC94B}">
-              <ma14:wrappingTextBoxFlag xmlns:ma14="http://schemas.microsoft.com/office/mac/drawingml/2011/main" xmlns="" val="1"/>
+              <ma14:wrappingTextBoxFlag xmlns="" xmlns:ma14="http://schemas.microsoft.com/office/mac/drawingml/2011/main" val="1"/>
             </a:ext>
           </a:extLst>
         </p:spPr>
@@ -17036,7 +17016,7 @@
             </a:ln>
             <a:extLst>
               <a:ext uri="{C572A759-6A51-4108-AA02-DFA0A04FC94B}">
-                <ma14:wrappingTextBoxFlag xmlns:ma14="http://schemas.microsoft.com/office/mac/drawingml/2011/main" xmlns="" val="1"/>
+                <ma14:wrappingTextBoxFlag xmlns="" xmlns:ma14="http://schemas.microsoft.com/office/mac/drawingml/2011/main" val="1"/>
               </a:ext>
             </a:extLst>
           </p:spPr>
@@ -17084,7 +17064,7 @@
             </a:ln>
             <a:extLst>
               <a:ext uri="{C572A759-6A51-4108-AA02-DFA0A04FC94B}">
-                <ma14:wrappingTextBoxFlag xmlns:ma14="http://schemas.microsoft.com/office/mac/drawingml/2011/main" xmlns="" val="1"/>
+                <ma14:wrappingTextBoxFlag xmlns="" xmlns:ma14="http://schemas.microsoft.com/office/mac/drawingml/2011/main" val="1"/>
               </a:ext>
             </a:extLst>
           </p:spPr>
@@ -17132,7 +17112,7 @@
             </a:ln>
             <a:extLst>
               <a:ext uri="{C572A759-6A51-4108-AA02-DFA0A04FC94B}">
-                <ma14:wrappingTextBoxFlag xmlns:ma14="http://schemas.microsoft.com/office/mac/drawingml/2011/main" xmlns="" val="1"/>
+                <ma14:wrappingTextBoxFlag xmlns="" xmlns:ma14="http://schemas.microsoft.com/office/mac/drawingml/2011/main" val="1"/>
               </a:ext>
             </a:extLst>
           </p:spPr>
@@ -17180,7 +17160,7 @@
             </a:ln>
             <a:extLst>
               <a:ext uri="{C572A759-6A51-4108-AA02-DFA0A04FC94B}">
-                <ma14:wrappingTextBoxFlag xmlns:ma14="http://schemas.microsoft.com/office/mac/drawingml/2011/main" xmlns="" val="1"/>
+                <ma14:wrappingTextBoxFlag xmlns="" xmlns:ma14="http://schemas.microsoft.com/office/mac/drawingml/2011/main" val="1"/>
               </a:ext>
             </a:extLst>
           </p:spPr>
@@ -17228,7 +17208,7 @@
             </a:ln>
             <a:extLst>
               <a:ext uri="{C572A759-6A51-4108-AA02-DFA0A04FC94B}">
-                <ma14:wrappingTextBoxFlag xmlns:ma14="http://schemas.microsoft.com/office/mac/drawingml/2011/main" xmlns="" val="1"/>
+                <ma14:wrappingTextBoxFlag xmlns="" xmlns:ma14="http://schemas.microsoft.com/office/mac/drawingml/2011/main" val="1"/>
               </a:ext>
             </a:extLst>
           </p:spPr>
@@ -17276,7 +17256,7 @@
             </a:ln>
             <a:extLst>
               <a:ext uri="{C572A759-6A51-4108-AA02-DFA0A04FC94B}">
-                <ma14:wrappingTextBoxFlag xmlns:ma14="http://schemas.microsoft.com/office/mac/drawingml/2011/main" xmlns="" val="1"/>
+                <ma14:wrappingTextBoxFlag xmlns="" xmlns:ma14="http://schemas.microsoft.com/office/mac/drawingml/2011/main" val="1"/>
               </a:ext>
             </a:extLst>
           </p:spPr>
@@ -17324,7 +17304,7 @@
             </a:ln>
             <a:extLst>
               <a:ext uri="{C572A759-6A51-4108-AA02-DFA0A04FC94B}">
-                <ma14:wrappingTextBoxFlag xmlns:ma14="http://schemas.microsoft.com/office/mac/drawingml/2011/main" xmlns="" val="1"/>
+                <ma14:wrappingTextBoxFlag xmlns="" xmlns:ma14="http://schemas.microsoft.com/office/mac/drawingml/2011/main" val="1"/>
               </a:ext>
             </a:extLst>
           </p:spPr>
@@ -17375,7 +17355,7 @@
             </a:ln>
             <a:extLst>
               <a:ext uri="{C572A759-6A51-4108-AA02-DFA0A04FC94B}">
-                <ma14:wrappingTextBoxFlag xmlns:ma14="http://schemas.microsoft.com/office/mac/drawingml/2011/main" xmlns="" val="1"/>
+                <ma14:wrappingTextBoxFlag xmlns="" xmlns:ma14="http://schemas.microsoft.com/office/mac/drawingml/2011/main" val="1"/>
               </a:ext>
             </a:extLst>
           </p:spPr>
@@ -17652,7 +17632,7 @@
             </a:ln>
             <a:extLst>
               <a:ext uri="{C572A759-6A51-4108-AA02-DFA0A04FC94B}">
-                <ma14:wrappingTextBoxFlag xmlns:ma14="http://schemas.microsoft.com/office/mac/drawingml/2011/main" xmlns="" val="1"/>
+                <ma14:wrappingTextBoxFlag xmlns="" xmlns:ma14="http://schemas.microsoft.com/office/mac/drawingml/2011/main" val="1"/>
               </a:ext>
             </a:extLst>
           </p:spPr>
@@ -17836,7 +17816,7 @@
             </a:ln>
             <a:extLst>
               <a:ext uri="{C572A759-6A51-4108-AA02-DFA0A04FC94B}">
-                <ma14:wrappingTextBoxFlag xmlns:ma14="http://schemas.microsoft.com/office/mac/drawingml/2011/main" xmlns="" val="1"/>
+                <ma14:wrappingTextBoxFlag xmlns="" xmlns:ma14="http://schemas.microsoft.com/office/mac/drawingml/2011/main" val="1"/>
               </a:ext>
             </a:extLst>
           </p:spPr>
@@ -18012,7 +17992,7 @@
             </a:ln>
             <a:extLst>
               <a:ext uri="{C572A759-6A51-4108-AA02-DFA0A04FC94B}">
-                <ma14:wrappingTextBoxFlag xmlns:ma14="http://schemas.microsoft.com/office/mac/drawingml/2011/main" xmlns="" val="1"/>
+                <ma14:wrappingTextBoxFlag xmlns="" xmlns:ma14="http://schemas.microsoft.com/office/mac/drawingml/2011/main" val="1"/>
               </a:ext>
             </a:extLst>
           </p:spPr>
@@ -18066,7 +18046,7 @@
             </a:ln>
             <a:extLst>
               <a:ext uri="{C572A759-6A51-4108-AA02-DFA0A04FC94B}">
-                <ma14:wrappingTextBoxFlag xmlns:ma14="http://schemas.microsoft.com/office/mac/drawingml/2011/main" xmlns="" val="1"/>
+                <ma14:wrappingTextBoxFlag xmlns="" xmlns:ma14="http://schemas.microsoft.com/office/mac/drawingml/2011/main" val="1"/>
               </a:ext>
             </a:extLst>
           </p:spPr>
@@ -18120,7 +18100,7 @@
             </a:ln>
             <a:extLst>
               <a:ext uri="{C572A759-6A51-4108-AA02-DFA0A04FC94B}">
-                <ma14:wrappingTextBoxFlag xmlns:ma14="http://schemas.microsoft.com/office/mac/drawingml/2011/main" xmlns="" val="1"/>
+                <ma14:wrappingTextBoxFlag xmlns="" xmlns:ma14="http://schemas.microsoft.com/office/mac/drawingml/2011/main" val="1"/>
               </a:ext>
             </a:extLst>
           </p:spPr>
@@ -18174,7 +18154,7 @@
             </a:ln>
             <a:extLst>
               <a:ext uri="{C572A759-6A51-4108-AA02-DFA0A04FC94B}">
-                <ma14:wrappingTextBoxFlag xmlns:ma14="http://schemas.microsoft.com/office/mac/drawingml/2011/main" xmlns="" val="1"/>
+                <ma14:wrappingTextBoxFlag xmlns="" xmlns:ma14="http://schemas.microsoft.com/office/mac/drawingml/2011/main" val="1"/>
               </a:ext>
             </a:extLst>
           </p:spPr>
@@ -18228,7 +18208,7 @@
             </a:ln>
             <a:extLst>
               <a:ext uri="{C572A759-6A51-4108-AA02-DFA0A04FC94B}">
-                <ma14:wrappingTextBoxFlag xmlns:ma14="http://schemas.microsoft.com/office/mac/drawingml/2011/main" xmlns="" val="1"/>
+                <ma14:wrappingTextBoxFlag xmlns="" xmlns:ma14="http://schemas.microsoft.com/office/mac/drawingml/2011/main" val="1"/>
               </a:ext>
             </a:extLst>
           </p:spPr>
@@ -18282,7 +18262,7 @@
             </a:ln>
             <a:extLst>
               <a:ext uri="{C572A759-6A51-4108-AA02-DFA0A04FC94B}">
-                <ma14:wrappingTextBoxFlag xmlns:ma14="http://schemas.microsoft.com/office/mac/drawingml/2011/main" xmlns="" val="1"/>
+                <ma14:wrappingTextBoxFlag xmlns="" xmlns:ma14="http://schemas.microsoft.com/office/mac/drawingml/2011/main" val="1"/>
               </a:ext>
             </a:extLst>
           </p:spPr>
@@ -18336,7 +18316,7 @@
             </a:ln>
             <a:extLst>
               <a:ext uri="{C572A759-6A51-4108-AA02-DFA0A04FC94B}">
-                <ma14:wrappingTextBoxFlag xmlns:ma14="http://schemas.microsoft.com/office/mac/drawingml/2011/main" xmlns="" val="1"/>
+                <ma14:wrappingTextBoxFlag xmlns="" xmlns:ma14="http://schemas.microsoft.com/office/mac/drawingml/2011/main" val="1"/>
               </a:ext>
             </a:extLst>
           </p:spPr>
@@ -18643,7 +18623,7 @@
             </a:ln>
             <a:extLst>
               <a:ext uri="{C572A759-6A51-4108-AA02-DFA0A04FC94B}">
-                <ma14:wrappingTextBoxFlag xmlns:ma14="http://schemas.microsoft.com/office/mac/drawingml/2011/main" xmlns="" val="1"/>
+                <ma14:wrappingTextBoxFlag xmlns="" xmlns:ma14="http://schemas.microsoft.com/office/mac/drawingml/2011/main" val="1"/>
               </a:ext>
             </a:extLst>
           </p:spPr>
@@ -18834,7 +18814,7 @@
             </a:ln>
             <a:extLst>
               <a:ext uri="{C572A759-6A51-4108-AA02-DFA0A04FC94B}">
-                <ma14:wrappingTextBoxFlag xmlns:ma14="http://schemas.microsoft.com/office/mac/drawingml/2011/main" xmlns="" val="1"/>
+                <ma14:wrappingTextBoxFlag xmlns="" xmlns:ma14="http://schemas.microsoft.com/office/mac/drawingml/2011/main" val="1"/>
               </a:ext>
             </a:extLst>
           </p:spPr>
@@ -18891,7 +18871,7 @@
             </a:ln>
             <a:extLst>
               <a:ext uri="{C572A759-6A51-4108-AA02-DFA0A04FC94B}">
-                <ma14:wrappingTextBoxFlag xmlns:ma14="http://schemas.microsoft.com/office/mac/drawingml/2011/main" xmlns="" val="1"/>
+                <ma14:wrappingTextBoxFlag xmlns="" xmlns:ma14="http://schemas.microsoft.com/office/mac/drawingml/2011/main" val="1"/>
               </a:ext>
             </a:extLst>
           </p:spPr>
@@ -19087,7 +19067,7 @@
             </a:ln>
             <a:extLst>
               <a:ext uri="{C572A759-6A51-4108-AA02-DFA0A04FC94B}">
-                <ma14:wrappingTextBoxFlag xmlns:ma14="http://schemas.microsoft.com/office/mac/drawingml/2011/main" xmlns="" val="1"/>
+                <ma14:wrappingTextBoxFlag xmlns="" xmlns:ma14="http://schemas.microsoft.com/office/mac/drawingml/2011/main" val="1"/>
               </a:ext>
             </a:extLst>
           </p:spPr>
@@ -19309,7 +19289,7 @@
             </a:ln>
             <a:extLst>
               <a:ext uri="{C572A759-6A51-4108-AA02-DFA0A04FC94B}">
-                <ma14:wrappingTextBoxFlag xmlns:ma14="http://schemas.microsoft.com/office/mac/drawingml/2011/main" xmlns="" val="1"/>
+                <ma14:wrappingTextBoxFlag xmlns="" xmlns:ma14="http://schemas.microsoft.com/office/mac/drawingml/2011/main" val="1"/>
               </a:ext>
             </a:extLst>
           </p:spPr>
@@ -19363,7 +19343,7 @@
             </a:ln>
             <a:extLst>
               <a:ext uri="{C572A759-6A51-4108-AA02-DFA0A04FC94B}">
-                <ma14:wrappingTextBoxFlag xmlns:ma14="http://schemas.microsoft.com/office/mac/drawingml/2011/main" xmlns="" val="1"/>
+                <ma14:wrappingTextBoxFlag xmlns="" xmlns:ma14="http://schemas.microsoft.com/office/mac/drawingml/2011/main" val="1"/>
               </a:ext>
             </a:extLst>
           </p:spPr>
@@ -19417,7 +19397,7 @@
             </a:ln>
             <a:extLst>
               <a:ext uri="{C572A759-6A51-4108-AA02-DFA0A04FC94B}">
-                <ma14:wrappingTextBoxFlag xmlns:ma14="http://schemas.microsoft.com/office/mac/drawingml/2011/main" xmlns="" val="1"/>
+                <ma14:wrappingTextBoxFlag xmlns="" xmlns:ma14="http://schemas.microsoft.com/office/mac/drawingml/2011/main" val="1"/>
               </a:ext>
             </a:extLst>
           </p:spPr>
@@ -19471,7 +19451,7 @@
             </a:ln>
             <a:extLst>
               <a:ext uri="{C572A759-6A51-4108-AA02-DFA0A04FC94B}">
-                <ma14:wrappingTextBoxFlag xmlns:ma14="http://schemas.microsoft.com/office/mac/drawingml/2011/main" xmlns="" val="1"/>
+                <ma14:wrappingTextBoxFlag xmlns="" xmlns:ma14="http://schemas.microsoft.com/office/mac/drawingml/2011/main" val="1"/>
               </a:ext>
             </a:extLst>
           </p:spPr>
@@ -19525,7 +19505,7 @@
             </a:ln>
             <a:extLst>
               <a:ext uri="{C572A759-6A51-4108-AA02-DFA0A04FC94B}">
-                <ma14:wrappingTextBoxFlag xmlns:ma14="http://schemas.microsoft.com/office/mac/drawingml/2011/main" xmlns="" val="1"/>
+                <ma14:wrappingTextBoxFlag xmlns="" xmlns:ma14="http://schemas.microsoft.com/office/mac/drawingml/2011/main" val="1"/>
               </a:ext>
             </a:extLst>
           </p:spPr>
@@ -19576,7 +19556,7 @@
             </a:ln>
             <a:extLst>
               <a:ext uri="{C572A759-6A51-4108-AA02-DFA0A04FC94B}">
-                <ma14:wrappingTextBoxFlag xmlns:ma14="http://schemas.microsoft.com/office/mac/drawingml/2011/main" xmlns="" val="1"/>
+                <ma14:wrappingTextBoxFlag xmlns="" xmlns:ma14="http://schemas.microsoft.com/office/mac/drawingml/2011/main" val="1"/>
               </a:ext>
             </a:extLst>
           </p:spPr>
@@ -19686,12 +19666,38 @@
           </a:p>
         </p:txBody>
       </p:sp>
+    </p:spTree>
+  </p:cSld>
+  <p:clrMapOvr>
+    <a:masterClrMapping/>
+  </p:clrMapOvr>
+  <p:transition spd="med"/>
+</p:sld>
+</file>
+
+<file path=ppt/slides/slide8.xml><?xml version="1.0" encoding="utf-8"?>
+<p:sld xmlns:a="http://schemas.openxmlformats.org/drawingml/2006/main" xmlns:r="http://schemas.openxmlformats.org/officeDocument/2006/relationships" xmlns:p="http://schemas.openxmlformats.org/presentationml/2006/main">
+  <p:cSld>
+    <p:spTree>
+      <p:nvGrpSpPr>
+        <p:cNvPr id="1" name=""/>
+        <p:cNvGrpSpPr/>
+        <p:nvPr/>
+      </p:nvGrpSpPr>
+      <p:grpSpPr>
+        <a:xfrm>
+          <a:off x="0" y="0"/>
+          <a:ext cx="0" cy="0"/>
+          <a:chOff x="0" y="0"/>
+          <a:chExt cx="0" cy="0"/>
+        </a:xfrm>
+      </p:grpSpPr>
       <p:sp>
         <p:nvSpPr>
-          <p:cNvPr id="72" name="Shape 127">
+          <p:cNvPr id="73" name="Shape 127">
             <a:extLst>
               <a:ext uri="{FF2B5EF4-FFF2-40B4-BE49-F238E27FC236}">
-                <a16:creationId xmlns:a16="http://schemas.microsoft.com/office/drawing/2014/main" id="{249E36A2-DEAD-CC49-A392-F281D9B73736}"/>
+                <a16:creationId xmlns:a16="http://schemas.microsoft.com/office/drawing/2014/main" id="{CABD04FF-82F2-FC45-B328-B860CE636F00}"/>
               </a:ext>
             </a:extLst>
           </p:cNvPr>
@@ -19700,8 +19706,8 @@
         </p:nvSpPr>
         <p:spPr>
           <a:xfrm>
-            <a:off x="16862718" y="12505104"/>
-            <a:ext cx="7001916" cy="759822"/>
+            <a:off x="12487275" y="12658992"/>
+            <a:ext cx="11377359" cy="452046"/>
           </a:xfrm>
           <a:prstGeom prst="rect">
             <a:avLst/>
@@ -19711,12 +19717,12 @@
           </a:ln>
           <a:extLst>
             <a:ext uri="{C572A759-6A51-4108-AA02-DFA0A04FC94B}">
-              <ma14:wrappingTextBoxFlag xmlns:ma14="http://schemas.microsoft.com/office/mac/drawingml/2011/main" xmlns="" val="1"/>
+              <ma14:wrappingTextBoxFlag xmlns="" xmlns:ma14="http://schemas.microsoft.com/office/mac/drawingml/2011/main" val="1"/>
             </a:ext>
           </a:extLst>
         </p:spPr>
         <p:txBody>
-          <a:bodyPr wrap="none" lIns="71437" tIns="71437" rIns="71437" bIns="71437" anchor="ctr">
+          <a:bodyPr wrap="square" lIns="71437" tIns="71437" rIns="71437" bIns="71437" anchor="ctr">
             <a:spAutoFit/>
           </a:bodyPr>
           <a:lstStyle/>
@@ -19746,132 +19752,7 @@
             </a:r>
             <a:r>
               <a:rPr lang="en-AU" dirty="0"/>
-              <a:t>/</a:t>
-            </a:r>
-          </a:p>
-          <a:p>
-            <a:pPr algn="r">
-              <a:defRPr sz="2000" b="0">
-                <a:solidFill>
-                  <a:srgbClr val="919191"/>
-                </a:solidFill>
-                <a:latin typeface="Montserrat Medium"/>
-                <a:ea typeface="Montserrat Medium"/>
-                <a:cs typeface="Montserrat Medium"/>
-                <a:sym typeface="Montserrat Medium"/>
-              </a:defRPr>
-            </a:pPr>
-            <a:r>
-              <a:rPr lang="en-AU" dirty="0"/>
-              <a:t>photos/L7V4rwETDb0</a:t>
-            </a:r>
-          </a:p>
-        </p:txBody>
-      </p:sp>
-    </p:spTree>
-  </p:cSld>
-  <p:clrMapOvr>
-    <a:masterClrMapping/>
-  </p:clrMapOvr>
-  <p:transition spd="med"/>
-</p:sld>
-</file>
-
-<file path=ppt/slides/slide8.xml><?xml version="1.0" encoding="utf-8"?>
-<p:sld xmlns:a="http://schemas.openxmlformats.org/drawingml/2006/main" xmlns:r="http://schemas.openxmlformats.org/officeDocument/2006/relationships" xmlns:p="http://schemas.openxmlformats.org/presentationml/2006/main">
-  <p:cSld>
-    <p:spTree>
-      <p:nvGrpSpPr>
-        <p:cNvPr id="1" name=""/>
-        <p:cNvGrpSpPr/>
-        <p:nvPr/>
-      </p:nvGrpSpPr>
-      <p:grpSpPr>
-        <a:xfrm>
-          <a:off x="0" y="0"/>
-          <a:ext cx="0" cy="0"/>
-          <a:chOff x="0" y="0"/>
-          <a:chExt cx="0" cy="0"/>
-        </a:xfrm>
-      </p:grpSpPr>
-      <p:sp>
-        <p:nvSpPr>
-          <p:cNvPr id="72" name="Shape 127">
-            <a:extLst>
-              <a:ext uri="{FF2B5EF4-FFF2-40B4-BE49-F238E27FC236}">
-                <a16:creationId xmlns:a16="http://schemas.microsoft.com/office/drawing/2014/main" id="{AE7E22CD-88EE-AD45-A4C7-735FBAC57ECF}"/>
-              </a:ext>
-            </a:extLst>
-          </p:cNvPr>
-          <p:cNvSpPr/>
-          <p:nvPr/>
-        </p:nvSpPr>
-        <p:spPr>
-          <a:xfrm>
-            <a:off x="16862718" y="12505104"/>
-            <a:ext cx="7001916" cy="759822"/>
-          </a:xfrm>
-          <a:prstGeom prst="rect">
-            <a:avLst/>
-          </a:prstGeom>
-          <a:ln w="12700">
-            <a:miter lim="400000"/>
-          </a:ln>
-          <a:extLst>
-            <a:ext uri="{C572A759-6A51-4108-AA02-DFA0A04FC94B}">
-              <ma14:wrappingTextBoxFlag xmlns:ma14="http://schemas.microsoft.com/office/mac/drawingml/2011/main" xmlns="" val="1"/>
-            </a:ext>
-          </a:extLst>
-        </p:spPr>
-        <p:txBody>
-          <a:bodyPr wrap="none" lIns="71437" tIns="71437" rIns="71437" bIns="71437" anchor="ctr">
-            <a:spAutoFit/>
-          </a:bodyPr>
-          <a:lstStyle/>
-          <a:p>
-            <a:pPr algn="r">
-              <a:defRPr sz="2000" b="0">
-                <a:solidFill>
-                  <a:srgbClr val="919191"/>
-                </a:solidFill>
-                <a:latin typeface="Montserrat Medium"/>
-                <a:ea typeface="Montserrat Medium"/>
-                <a:cs typeface="Montserrat Medium"/>
-                <a:sym typeface="Montserrat Medium"/>
-              </a:defRPr>
-            </a:pPr>
-            <a:r>
-              <a:rPr dirty="0"/>
-              <a:t>Image Attribution:</a:t>
-            </a:r>
-            <a:r>
-              <a:rPr lang="en-AU" dirty="0"/>
-              <a:t> Callum Hill, https://</a:t>
-            </a:r>
-            <a:r>
-              <a:rPr lang="en-AU" dirty="0" err="1"/>
-              <a:t>unsplash.com</a:t>
-            </a:r>
-            <a:r>
-              <a:rPr lang="en-AU" dirty="0"/>
-              <a:t>/</a:t>
-            </a:r>
-          </a:p>
-          <a:p>
-            <a:pPr algn="r">
-              <a:defRPr sz="2000" b="0">
-                <a:solidFill>
-                  <a:srgbClr val="919191"/>
-                </a:solidFill>
-                <a:latin typeface="Montserrat Medium"/>
-                <a:ea typeface="Montserrat Medium"/>
-                <a:cs typeface="Montserrat Medium"/>
-                <a:sym typeface="Montserrat Medium"/>
-              </a:defRPr>
-            </a:pPr>
-            <a:r>
-              <a:rPr lang="en-AU" dirty="0"/>
-              <a:t>photos/L7V4rwETDb0</a:t>
+              <a:t>/photos/L7V4rwETDb0</a:t>
             </a:r>
           </a:p>
         </p:txBody>
@@ -19901,7 +19782,7 @@
           </a:ln>
           <a:extLst>
             <a:ext uri="{C572A759-6A51-4108-AA02-DFA0A04FC94B}">
-              <ma14:wrappingTextBoxFlag xmlns:ma14="http://schemas.microsoft.com/office/mac/drawingml/2011/main" xmlns="" val="1"/>
+              <ma14:wrappingTextBoxFlag xmlns="" xmlns:ma14="http://schemas.microsoft.com/office/mac/drawingml/2011/main" val="1"/>
             </a:ext>
           </a:extLst>
         </p:spPr>
@@ -19963,7 +19844,7 @@
           </a:ln>
           <a:extLst>
             <a:ext uri="{C572A759-6A51-4108-AA02-DFA0A04FC94B}">
-              <ma14:wrappingTextBoxFlag xmlns:ma14="http://schemas.microsoft.com/office/mac/drawingml/2011/main" xmlns="" val="1"/>
+              <ma14:wrappingTextBoxFlag xmlns="" xmlns:ma14="http://schemas.microsoft.com/office/mac/drawingml/2011/main" val="1"/>
             </a:ext>
           </a:extLst>
         </p:spPr>
@@ -20025,7 +19906,7 @@
           </a:ln>
           <a:extLst>
             <a:ext uri="{C572A759-6A51-4108-AA02-DFA0A04FC94B}">
-              <ma14:wrappingTextBoxFlag xmlns:ma14="http://schemas.microsoft.com/office/mac/drawingml/2011/main" xmlns="" val="1"/>
+              <ma14:wrappingTextBoxFlag xmlns="" xmlns:ma14="http://schemas.microsoft.com/office/mac/drawingml/2011/main" val="1"/>
             </a:ext>
           </a:extLst>
         </p:spPr>
@@ -20086,7 +19967,7 @@
           </a:ln>
           <a:extLst>
             <a:ext uri="{C572A759-6A51-4108-AA02-DFA0A04FC94B}">
-              <ma14:wrappingTextBoxFlag xmlns:ma14="http://schemas.microsoft.com/office/mac/drawingml/2011/main" xmlns="" val="1"/>
+              <ma14:wrappingTextBoxFlag xmlns="" xmlns:ma14="http://schemas.microsoft.com/office/mac/drawingml/2011/main" val="1"/>
             </a:ext>
           </a:extLst>
         </p:spPr>
@@ -20144,7 +20025,7 @@
           </a:ln>
           <a:extLst>
             <a:ext uri="{C572A759-6A51-4108-AA02-DFA0A04FC94B}">
-              <ma14:wrappingTextBoxFlag xmlns:ma14="http://schemas.microsoft.com/office/mac/drawingml/2011/main" xmlns="" val="1"/>
+              <ma14:wrappingTextBoxFlag xmlns="" xmlns:ma14="http://schemas.microsoft.com/office/mac/drawingml/2011/main" val="1"/>
             </a:ext>
           </a:extLst>
         </p:spPr>
@@ -20206,7 +20087,7 @@
           </a:ln>
           <a:extLst>
             <a:ext uri="{C572A759-6A51-4108-AA02-DFA0A04FC94B}">
-              <ma14:wrappingTextBoxFlag xmlns:ma14="http://schemas.microsoft.com/office/mac/drawingml/2011/main" xmlns="" val="1"/>
+              <ma14:wrappingTextBoxFlag xmlns="" xmlns:ma14="http://schemas.microsoft.com/office/mac/drawingml/2011/main" val="1"/>
             </a:ext>
           </a:extLst>
         </p:spPr>
@@ -20268,7 +20149,7 @@
           </a:ln>
           <a:extLst>
             <a:ext uri="{C572A759-6A51-4108-AA02-DFA0A04FC94B}">
-              <ma14:wrappingTextBoxFlag xmlns:ma14="http://schemas.microsoft.com/office/mac/drawingml/2011/main" xmlns="" val="1"/>
+              <ma14:wrappingTextBoxFlag xmlns="" xmlns:ma14="http://schemas.microsoft.com/office/mac/drawingml/2011/main" val="1"/>
             </a:ext>
           </a:extLst>
         </p:spPr>
@@ -20458,7 +20339,7 @@
             </a:ln>
             <a:extLst>
               <a:ext uri="{C572A759-6A51-4108-AA02-DFA0A04FC94B}">
-                <ma14:wrappingTextBoxFlag xmlns:ma14="http://schemas.microsoft.com/office/mac/drawingml/2011/main" xmlns="" val="1"/>
+                <ma14:wrappingTextBoxFlag xmlns="" xmlns:ma14="http://schemas.microsoft.com/office/mac/drawingml/2011/main" val="1"/>
               </a:ext>
             </a:extLst>
           </p:spPr>
@@ -20506,7 +20387,7 @@
             </a:ln>
             <a:extLst>
               <a:ext uri="{C572A759-6A51-4108-AA02-DFA0A04FC94B}">
-                <ma14:wrappingTextBoxFlag xmlns:ma14="http://schemas.microsoft.com/office/mac/drawingml/2011/main" xmlns="" val="1"/>
+                <ma14:wrappingTextBoxFlag xmlns="" xmlns:ma14="http://schemas.microsoft.com/office/mac/drawingml/2011/main" val="1"/>
               </a:ext>
             </a:extLst>
           </p:spPr>
@@ -20554,7 +20435,7 @@
             </a:ln>
             <a:extLst>
               <a:ext uri="{C572A759-6A51-4108-AA02-DFA0A04FC94B}">
-                <ma14:wrappingTextBoxFlag xmlns:ma14="http://schemas.microsoft.com/office/mac/drawingml/2011/main" xmlns="" val="1"/>
+                <ma14:wrappingTextBoxFlag xmlns="" xmlns:ma14="http://schemas.microsoft.com/office/mac/drawingml/2011/main" val="1"/>
               </a:ext>
             </a:extLst>
           </p:spPr>
@@ -20602,7 +20483,7 @@
             </a:ln>
             <a:extLst>
               <a:ext uri="{C572A759-6A51-4108-AA02-DFA0A04FC94B}">
-                <ma14:wrappingTextBoxFlag xmlns:ma14="http://schemas.microsoft.com/office/mac/drawingml/2011/main" xmlns="" val="1"/>
+                <ma14:wrappingTextBoxFlag xmlns="" xmlns:ma14="http://schemas.microsoft.com/office/mac/drawingml/2011/main" val="1"/>
               </a:ext>
             </a:extLst>
           </p:spPr>
@@ -20650,7 +20531,7 @@
             </a:ln>
             <a:extLst>
               <a:ext uri="{C572A759-6A51-4108-AA02-DFA0A04FC94B}">
-                <ma14:wrappingTextBoxFlag xmlns:ma14="http://schemas.microsoft.com/office/mac/drawingml/2011/main" xmlns="" val="1"/>
+                <ma14:wrappingTextBoxFlag xmlns="" xmlns:ma14="http://schemas.microsoft.com/office/mac/drawingml/2011/main" val="1"/>
               </a:ext>
             </a:extLst>
           </p:spPr>
@@ -20698,7 +20579,7 @@
             </a:ln>
             <a:extLst>
               <a:ext uri="{C572A759-6A51-4108-AA02-DFA0A04FC94B}">
-                <ma14:wrappingTextBoxFlag xmlns:ma14="http://schemas.microsoft.com/office/mac/drawingml/2011/main" xmlns="" val="1"/>
+                <ma14:wrappingTextBoxFlag xmlns="" xmlns:ma14="http://schemas.microsoft.com/office/mac/drawingml/2011/main" val="1"/>
               </a:ext>
             </a:extLst>
           </p:spPr>
@@ -20746,7 +20627,7 @@
             </a:ln>
             <a:extLst>
               <a:ext uri="{C572A759-6A51-4108-AA02-DFA0A04FC94B}">
-                <ma14:wrappingTextBoxFlag xmlns:ma14="http://schemas.microsoft.com/office/mac/drawingml/2011/main" xmlns="" val="1"/>
+                <ma14:wrappingTextBoxFlag xmlns="" xmlns:ma14="http://schemas.microsoft.com/office/mac/drawingml/2011/main" val="1"/>
               </a:ext>
             </a:extLst>
           </p:spPr>
@@ -20861,7 +20742,7 @@
           </a:ln>
           <a:extLst>
             <a:ext uri="{C572A759-6A51-4108-AA02-DFA0A04FC94B}">
-              <ma14:wrappingTextBoxFlag xmlns:ma14="http://schemas.microsoft.com/office/mac/drawingml/2011/main" xmlns="" val="1"/>
+              <ma14:wrappingTextBoxFlag xmlns="" xmlns:ma14="http://schemas.microsoft.com/office/mac/drawingml/2011/main" val="1"/>
             </a:ext>
           </a:extLst>
         </p:spPr>
@@ -21132,7 +21013,7 @@
             </a:ln>
             <a:extLst>
               <a:ext uri="{C572A759-6A51-4108-AA02-DFA0A04FC94B}">
-                <ma14:wrappingTextBoxFlag xmlns:ma14="http://schemas.microsoft.com/office/mac/drawingml/2011/main" xmlns="" val="1"/>
+                <ma14:wrappingTextBoxFlag xmlns="" xmlns:ma14="http://schemas.microsoft.com/office/mac/drawingml/2011/main" val="1"/>
               </a:ext>
             </a:extLst>
           </p:spPr>
@@ -21316,7 +21197,7 @@
             </a:ln>
             <a:extLst>
               <a:ext uri="{C572A759-6A51-4108-AA02-DFA0A04FC94B}">
-                <ma14:wrappingTextBoxFlag xmlns:ma14="http://schemas.microsoft.com/office/mac/drawingml/2011/main" xmlns="" val="1"/>
+                <ma14:wrappingTextBoxFlag xmlns="" xmlns:ma14="http://schemas.microsoft.com/office/mac/drawingml/2011/main" val="1"/>
               </a:ext>
             </a:extLst>
           </p:spPr>
@@ -21443,7 +21324,7 @@
             </a:ln>
             <a:extLst>
               <a:ext uri="{C572A759-6A51-4108-AA02-DFA0A04FC94B}">
-                <ma14:wrappingTextBoxFlag xmlns:ma14="http://schemas.microsoft.com/office/mac/drawingml/2011/main" xmlns="" val="1"/>
+                <ma14:wrappingTextBoxFlag xmlns="" xmlns:ma14="http://schemas.microsoft.com/office/mac/drawingml/2011/main" val="1"/>
               </a:ext>
             </a:extLst>
           </p:spPr>
@@ -21545,7 +21426,7 @@
             </a:ln>
             <a:extLst>
               <a:ext uri="{C572A759-6A51-4108-AA02-DFA0A04FC94B}">
-                <ma14:wrappingTextBoxFlag xmlns:ma14="http://schemas.microsoft.com/office/mac/drawingml/2011/main" xmlns="" val="1"/>
+                <ma14:wrappingTextBoxFlag xmlns="" xmlns:ma14="http://schemas.microsoft.com/office/mac/drawingml/2011/main" val="1"/>
               </a:ext>
             </a:extLst>
           </p:spPr>
@@ -21599,7 +21480,7 @@
             </a:ln>
             <a:extLst>
               <a:ext uri="{C572A759-6A51-4108-AA02-DFA0A04FC94B}">
-                <ma14:wrappingTextBoxFlag xmlns:ma14="http://schemas.microsoft.com/office/mac/drawingml/2011/main" xmlns="" val="1"/>
+                <ma14:wrappingTextBoxFlag xmlns="" xmlns:ma14="http://schemas.microsoft.com/office/mac/drawingml/2011/main" val="1"/>
               </a:ext>
             </a:extLst>
           </p:spPr>
@@ -21653,7 +21534,7 @@
             </a:ln>
             <a:extLst>
               <a:ext uri="{C572A759-6A51-4108-AA02-DFA0A04FC94B}">
-                <ma14:wrappingTextBoxFlag xmlns:ma14="http://schemas.microsoft.com/office/mac/drawingml/2011/main" xmlns="" val="1"/>
+                <ma14:wrappingTextBoxFlag xmlns="" xmlns:ma14="http://schemas.microsoft.com/office/mac/drawingml/2011/main" val="1"/>
               </a:ext>
             </a:extLst>
           </p:spPr>
@@ -21707,7 +21588,7 @@
             </a:ln>
             <a:extLst>
               <a:ext uri="{C572A759-6A51-4108-AA02-DFA0A04FC94B}">
-                <ma14:wrappingTextBoxFlag xmlns:ma14="http://schemas.microsoft.com/office/mac/drawingml/2011/main" xmlns="" val="1"/>
+                <ma14:wrappingTextBoxFlag xmlns="" xmlns:ma14="http://schemas.microsoft.com/office/mac/drawingml/2011/main" val="1"/>
               </a:ext>
             </a:extLst>
           </p:spPr>
@@ -21761,7 +21642,7 @@
             </a:ln>
             <a:extLst>
               <a:ext uri="{C572A759-6A51-4108-AA02-DFA0A04FC94B}">
-                <ma14:wrappingTextBoxFlag xmlns:ma14="http://schemas.microsoft.com/office/mac/drawingml/2011/main" xmlns="" val="1"/>
+                <ma14:wrappingTextBoxFlag xmlns="" xmlns:ma14="http://schemas.microsoft.com/office/mac/drawingml/2011/main" val="1"/>
               </a:ext>
             </a:extLst>
           </p:spPr>
@@ -21815,7 +21696,7 @@
             </a:ln>
             <a:extLst>
               <a:ext uri="{C572A759-6A51-4108-AA02-DFA0A04FC94B}">
-                <ma14:wrappingTextBoxFlag xmlns:ma14="http://schemas.microsoft.com/office/mac/drawingml/2011/main" xmlns="" val="1"/>
+                <ma14:wrappingTextBoxFlag xmlns="" xmlns:ma14="http://schemas.microsoft.com/office/mac/drawingml/2011/main" val="1"/>
               </a:ext>
             </a:extLst>
           </p:spPr>
@@ -21869,7 +21750,7 @@
             </a:ln>
             <a:extLst>
               <a:ext uri="{C572A759-6A51-4108-AA02-DFA0A04FC94B}">
-                <ma14:wrappingTextBoxFlag xmlns:ma14="http://schemas.microsoft.com/office/mac/drawingml/2011/main" xmlns="" val="1"/>
+                <ma14:wrappingTextBoxFlag xmlns="" xmlns:ma14="http://schemas.microsoft.com/office/mac/drawingml/2011/main" val="1"/>
               </a:ext>
             </a:extLst>
           </p:spPr>
@@ -22176,7 +22057,7 @@
             </a:ln>
             <a:extLst>
               <a:ext uri="{C572A759-6A51-4108-AA02-DFA0A04FC94B}">
-                <ma14:wrappingTextBoxFlag xmlns:ma14="http://schemas.microsoft.com/office/mac/drawingml/2011/main" xmlns="" val="1"/>
+                <ma14:wrappingTextBoxFlag xmlns="" xmlns:ma14="http://schemas.microsoft.com/office/mac/drawingml/2011/main" val="1"/>
               </a:ext>
             </a:extLst>
           </p:spPr>
@@ -22367,7 +22248,7 @@
             </a:ln>
             <a:extLst>
               <a:ext uri="{C572A759-6A51-4108-AA02-DFA0A04FC94B}">
-                <ma14:wrappingTextBoxFlag xmlns:ma14="http://schemas.microsoft.com/office/mac/drawingml/2011/main" xmlns="" val="1"/>
+                <ma14:wrappingTextBoxFlag xmlns="" xmlns:ma14="http://schemas.microsoft.com/office/mac/drawingml/2011/main" val="1"/>
               </a:ext>
             </a:extLst>
           </p:spPr>
@@ -22424,7 +22305,7 @@
             </a:ln>
             <a:extLst>
               <a:ext uri="{C572A759-6A51-4108-AA02-DFA0A04FC94B}">
-                <ma14:wrappingTextBoxFlag xmlns:ma14="http://schemas.microsoft.com/office/mac/drawingml/2011/main" xmlns="" val="1"/>
+                <ma14:wrappingTextBoxFlag xmlns="" xmlns:ma14="http://schemas.microsoft.com/office/mac/drawingml/2011/main" val="1"/>
               </a:ext>
             </a:extLst>
           </p:spPr>
@@ -22620,7 +22501,7 @@
             </a:ln>
             <a:extLst>
               <a:ext uri="{C572A759-6A51-4108-AA02-DFA0A04FC94B}">
-                <ma14:wrappingTextBoxFlag xmlns:ma14="http://schemas.microsoft.com/office/mac/drawingml/2011/main" xmlns="" val="1"/>
+                <ma14:wrappingTextBoxFlag xmlns="" xmlns:ma14="http://schemas.microsoft.com/office/mac/drawingml/2011/main" val="1"/>
               </a:ext>
             </a:extLst>
           </p:spPr>
@@ -22842,7 +22723,7 @@
             </a:ln>
             <a:extLst>
               <a:ext uri="{C572A759-6A51-4108-AA02-DFA0A04FC94B}">
-                <ma14:wrappingTextBoxFlag xmlns:ma14="http://schemas.microsoft.com/office/mac/drawingml/2011/main" xmlns="" val="1"/>
+                <ma14:wrappingTextBoxFlag xmlns="" xmlns:ma14="http://schemas.microsoft.com/office/mac/drawingml/2011/main" val="1"/>
               </a:ext>
             </a:extLst>
           </p:spPr>
@@ -22896,7 +22777,7 @@
             </a:ln>
             <a:extLst>
               <a:ext uri="{C572A759-6A51-4108-AA02-DFA0A04FC94B}">
-                <ma14:wrappingTextBoxFlag xmlns:ma14="http://schemas.microsoft.com/office/mac/drawingml/2011/main" xmlns="" val="1"/>
+                <ma14:wrappingTextBoxFlag xmlns="" xmlns:ma14="http://schemas.microsoft.com/office/mac/drawingml/2011/main" val="1"/>
               </a:ext>
             </a:extLst>
           </p:spPr>
@@ -22950,7 +22831,7 @@
             </a:ln>
             <a:extLst>
               <a:ext uri="{C572A759-6A51-4108-AA02-DFA0A04FC94B}">
-                <ma14:wrappingTextBoxFlag xmlns:ma14="http://schemas.microsoft.com/office/mac/drawingml/2011/main" xmlns="" val="1"/>
+                <ma14:wrappingTextBoxFlag xmlns="" xmlns:ma14="http://schemas.microsoft.com/office/mac/drawingml/2011/main" val="1"/>
               </a:ext>
             </a:extLst>
           </p:spPr>
@@ -23004,7 +22885,7 @@
             </a:ln>
             <a:extLst>
               <a:ext uri="{C572A759-6A51-4108-AA02-DFA0A04FC94B}">
-                <ma14:wrappingTextBoxFlag xmlns:ma14="http://schemas.microsoft.com/office/mac/drawingml/2011/main" xmlns="" val="1"/>
+                <ma14:wrappingTextBoxFlag xmlns="" xmlns:ma14="http://schemas.microsoft.com/office/mac/drawingml/2011/main" val="1"/>
               </a:ext>
             </a:extLst>
           </p:spPr>
@@ -23058,7 +22939,7 @@
             </a:ln>
             <a:extLst>
               <a:ext uri="{C572A759-6A51-4108-AA02-DFA0A04FC94B}">
-                <ma14:wrappingTextBoxFlag xmlns:ma14="http://schemas.microsoft.com/office/mac/drawingml/2011/main" xmlns="" val="1"/>
+                <ma14:wrappingTextBoxFlag xmlns="" xmlns:ma14="http://schemas.microsoft.com/office/mac/drawingml/2011/main" val="1"/>
               </a:ext>
             </a:extLst>
           </p:spPr>
@@ -23109,7 +22990,7 @@
             </a:ln>
             <a:extLst>
               <a:ext uri="{C572A759-6A51-4108-AA02-DFA0A04FC94B}">
-                <ma14:wrappingTextBoxFlag xmlns:ma14="http://schemas.microsoft.com/office/mac/drawingml/2011/main" xmlns="" val="1"/>
+                <ma14:wrappingTextBoxFlag xmlns="" xmlns:ma14="http://schemas.microsoft.com/office/mac/drawingml/2011/main" val="1"/>
               </a:ext>
             </a:extLst>
           </p:spPr>
@@ -23247,10 +23128,10 @@
       </p:grpSpPr>
       <p:sp>
         <p:nvSpPr>
-          <p:cNvPr id="72" name="Shape 127">
+          <p:cNvPr id="73" name="Shape 127">
             <a:extLst>
               <a:ext uri="{FF2B5EF4-FFF2-40B4-BE49-F238E27FC236}">
-                <a16:creationId xmlns:a16="http://schemas.microsoft.com/office/drawing/2014/main" id="{850C1743-96C9-4647-8EE9-7C69C0E5E58C}"/>
+                <a16:creationId xmlns:a16="http://schemas.microsoft.com/office/drawing/2014/main" id="{420809F3-1188-814E-B108-E23F6B1E50B1}"/>
               </a:ext>
             </a:extLst>
           </p:cNvPr>
@@ -23259,8 +23140,8 @@
         </p:nvSpPr>
         <p:spPr>
           <a:xfrm>
-            <a:off x="16862718" y="12505104"/>
-            <a:ext cx="7001916" cy="759822"/>
+            <a:off x="12487275" y="12658992"/>
+            <a:ext cx="11377359" cy="452046"/>
           </a:xfrm>
           <a:prstGeom prst="rect">
             <a:avLst/>
@@ -23270,12 +23151,12 @@
           </a:ln>
           <a:extLst>
             <a:ext uri="{C572A759-6A51-4108-AA02-DFA0A04FC94B}">
-              <ma14:wrappingTextBoxFlag xmlns:ma14="http://schemas.microsoft.com/office/mac/drawingml/2011/main" xmlns="" val="1"/>
+              <ma14:wrappingTextBoxFlag xmlns="" xmlns:ma14="http://schemas.microsoft.com/office/mac/drawingml/2011/main" val="1"/>
             </a:ext>
           </a:extLst>
         </p:spPr>
         <p:txBody>
-          <a:bodyPr wrap="none" lIns="71437" tIns="71437" rIns="71437" bIns="71437" anchor="ctr">
+          <a:bodyPr wrap="square" lIns="71437" tIns="71437" rIns="71437" bIns="71437" anchor="ctr">
             <a:spAutoFit/>
           </a:bodyPr>
           <a:lstStyle/>
@@ -23305,24 +23186,7 @@
             </a:r>
             <a:r>
               <a:rPr lang="en-AU" dirty="0"/>
-              <a:t>/</a:t>
-            </a:r>
-          </a:p>
-          <a:p>
-            <a:pPr algn="r">
-              <a:defRPr sz="2000" b="0">
-                <a:solidFill>
-                  <a:srgbClr val="919191"/>
-                </a:solidFill>
-                <a:latin typeface="Montserrat Medium"/>
-                <a:ea typeface="Montserrat Medium"/>
-                <a:cs typeface="Montserrat Medium"/>
-                <a:sym typeface="Montserrat Medium"/>
-              </a:defRPr>
-            </a:pPr>
-            <a:r>
-              <a:rPr lang="en-AU" dirty="0"/>
-              <a:t>photos/L7V4rwETDb0</a:t>
+              <a:t>/photos/L7V4rwETDb0</a:t>
             </a:r>
           </a:p>
         </p:txBody>
@@ -23352,7 +23216,7 @@
           </a:ln>
           <a:extLst>
             <a:ext uri="{C572A759-6A51-4108-AA02-DFA0A04FC94B}">
-              <ma14:wrappingTextBoxFlag xmlns:ma14="http://schemas.microsoft.com/office/mac/drawingml/2011/main" xmlns="" val="1"/>
+              <ma14:wrappingTextBoxFlag xmlns="" xmlns:ma14="http://schemas.microsoft.com/office/mac/drawingml/2011/main" val="1"/>
             </a:ext>
           </a:extLst>
         </p:spPr>
@@ -23414,7 +23278,7 @@
           </a:ln>
           <a:extLst>
             <a:ext uri="{C572A759-6A51-4108-AA02-DFA0A04FC94B}">
-              <ma14:wrappingTextBoxFlag xmlns:ma14="http://schemas.microsoft.com/office/mac/drawingml/2011/main" xmlns="" val="1"/>
+              <ma14:wrappingTextBoxFlag xmlns="" xmlns:ma14="http://schemas.microsoft.com/office/mac/drawingml/2011/main" val="1"/>
             </a:ext>
           </a:extLst>
         </p:spPr>
@@ -23476,7 +23340,7 @@
           </a:ln>
           <a:extLst>
             <a:ext uri="{C572A759-6A51-4108-AA02-DFA0A04FC94B}">
-              <ma14:wrappingTextBoxFlag xmlns:ma14="http://schemas.microsoft.com/office/mac/drawingml/2011/main" xmlns="" val="1"/>
+              <ma14:wrappingTextBoxFlag xmlns="" xmlns:ma14="http://schemas.microsoft.com/office/mac/drawingml/2011/main" val="1"/>
             </a:ext>
           </a:extLst>
         </p:spPr>
@@ -23537,7 +23401,7 @@
           </a:ln>
           <a:extLst>
             <a:ext uri="{C572A759-6A51-4108-AA02-DFA0A04FC94B}">
-              <ma14:wrappingTextBoxFlag xmlns:ma14="http://schemas.microsoft.com/office/mac/drawingml/2011/main" xmlns="" val="1"/>
+              <ma14:wrappingTextBoxFlag xmlns="" xmlns:ma14="http://schemas.microsoft.com/office/mac/drawingml/2011/main" val="1"/>
             </a:ext>
           </a:extLst>
         </p:spPr>
@@ -23595,7 +23459,7 @@
           </a:ln>
           <a:extLst>
             <a:ext uri="{C572A759-6A51-4108-AA02-DFA0A04FC94B}">
-              <ma14:wrappingTextBoxFlag xmlns:ma14="http://schemas.microsoft.com/office/mac/drawingml/2011/main" xmlns="" val="1"/>
+              <ma14:wrappingTextBoxFlag xmlns="" xmlns:ma14="http://schemas.microsoft.com/office/mac/drawingml/2011/main" val="1"/>
             </a:ext>
           </a:extLst>
         </p:spPr>
@@ -23657,7 +23521,7 @@
           </a:ln>
           <a:extLst>
             <a:ext uri="{C572A759-6A51-4108-AA02-DFA0A04FC94B}">
-              <ma14:wrappingTextBoxFlag xmlns:ma14="http://schemas.microsoft.com/office/mac/drawingml/2011/main" xmlns="" val="1"/>
+              <ma14:wrappingTextBoxFlag xmlns="" xmlns:ma14="http://schemas.microsoft.com/office/mac/drawingml/2011/main" val="1"/>
             </a:ext>
           </a:extLst>
         </p:spPr>
@@ -23719,7 +23583,7 @@
           </a:ln>
           <a:extLst>
             <a:ext uri="{C572A759-6A51-4108-AA02-DFA0A04FC94B}">
-              <ma14:wrappingTextBoxFlag xmlns:ma14="http://schemas.microsoft.com/office/mac/drawingml/2011/main" xmlns="" val="1"/>
+              <ma14:wrappingTextBoxFlag xmlns="" xmlns:ma14="http://schemas.microsoft.com/office/mac/drawingml/2011/main" val="1"/>
             </a:ext>
           </a:extLst>
         </p:spPr>
@@ -23909,7 +23773,7 @@
             </a:ln>
             <a:extLst>
               <a:ext uri="{C572A759-6A51-4108-AA02-DFA0A04FC94B}">
-                <ma14:wrappingTextBoxFlag xmlns:ma14="http://schemas.microsoft.com/office/mac/drawingml/2011/main" xmlns="" val="1"/>
+                <ma14:wrappingTextBoxFlag xmlns="" xmlns:ma14="http://schemas.microsoft.com/office/mac/drawingml/2011/main" val="1"/>
               </a:ext>
             </a:extLst>
           </p:spPr>
@@ -23957,7 +23821,7 @@
             </a:ln>
             <a:extLst>
               <a:ext uri="{C572A759-6A51-4108-AA02-DFA0A04FC94B}">
-                <ma14:wrappingTextBoxFlag xmlns:ma14="http://schemas.microsoft.com/office/mac/drawingml/2011/main" xmlns="" val="1"/>
+                <ma14:wrappingTextBoxFlag xmlns="" xmlns:ma14="http://schemas.microsoft.com/office/mac/drawingml/2011/main" val="1"/>
               </a:ext>
             </a:extLst>
           </p:spPr>
@@ -24005,7 +23869,7 @@
             </a:ln>
             <a:extLst>
               <a:ext uri="{C572A759-6A51-4108-AA02-DFA0A04FC94B}">
-                <ma14:wrappingTextBoxFlag xmlns:ma14="http://schemas.microsoft.com/office/mac/drawingml/2011/main" xmlns="" val="1"/>
+                <ma14:wrappingTextBoxFlag xmlns="" xmlns:ma14="http://schemas.microsoft.com/office/mac/drawingml/2011/main" val="1"/>
               </a:ext>
             </a:extLst>
           </p:spPr>
@@ -24053,7 +23917,7 @@
             </a:ln>
             <a:extLst>
               <a:ext uri="{C572A759-6A51-4108-AA02-DFA0A04FC94B}">
-                <ma14:wrappingTextBoxFlag xmlns:ma14="http://schemas.microsoft.com/office/mac/drawingml/2011/main" xmlns="" val="1"/>
+                <ma14:wrappingTextBoxFlag xmlns="" xmlns:ma14="http://schemas.microsoft.com/office/mac/drawingml/2011/main" val="1"/>
               </a:ext>
             </a:extLst>
           </p:spPr>
@@ -24101,7 +23965,7 @@
             </a:ln>
             <a:extLst>
               <a:ext uri="{C572A759-6A51-4108-AA02-DFA0A04FC94B}">
-                <ma14:wrappingTextBoxFlag xmlns:ma14="http://schemas.microsoft.com/office/mac/drawingml/2011/main" xmlns="" val="1"/>
+                <ma14:wrappingTextBoxFlag xmlns="" xmlns:ma14="http://schemas.microsoft.com/office/mac/drawingml/2011/main" val="1"/>
               </a:ext>
             </a:extLst>
           </p:spPr>
@@ -24149,7 +24013,7 @@
             </a:ln>
             <a:extLst>
               <a:ext uri="{C572A759-6A51-4108-AA02-DFA0A04FC94B}">
-                <ma14:wrappingTextBoxFlag xmlns:ma14="http://schemas.microsoft.com/office/mac/drawingml/2011/main" xmlns="" val="1"/>
+                <ma14:wrappingTextBoxFlag xmlns="" xmlns:ma14="http://schemas.microsoft.com/office/mac/drawingml/2011/main" val="1"/>
               </a:ext>
             </a:extLst>
           </p:spPr>
@@ -24197,7 +24061,7 @@
             </a:ln>
             <a:extLst>
               <a:ext uri="{C572A759-6A51-4108-AA02-DFA0A04FC94B}">
-                <ma14:wrappingTextBoxFlag xmlns:ma14="http://schemas.microsoft.com/office/mac/drawingml/2011/main" xmlns="" val="1"/>
+                <ma14:wrappingTextBoxFlag xmlns="" xmlns:ma14="http://schemas.microsoft.com/office/mac/drawingml/2011/main" val="1"/>
               </a:ext>
             </a:extLst>
           </p:spPr>
@@ -24312,7 +24176,7 @@
           </a:ln>
           <a:extLst>
             <a:ext uri="{C572A759-6A51-4108-AA02-DFA0A04FC94B}">
-              <ma14:wrappingTextBoxFlag xmlns:ma14="http://schemas.microsoft.com/office/mac/drawingml/2011/main" xmlns="" val="1"/>
+              <ma14:wrappingTextBoxFlag xmlns="" xmlns:ma14="http://schemas.microsoft.com/office/mac/drawingml/2011/main" val="1"/>
             </a:ext>
           </a:extLst>
         </p:spPr>
@@ -24583,7 +24447,7 @@
             </a:ln>
             <a:extLst>
               <a:ext uri="{C572A759-6A51-4108-AA02-DFA0A04FC94B}">
-                <ma14:wrappingTextBoxFlag xmlns:ma14="http://schemas.microsoft.com/office/mac/drawingml/2011/main" xmlns="" val="1"/>
+                <ma14:wrappingTextBoxFlag xmlns="" xmlns:ma14="http://schemas.microsoft.com/office/mac/drawingml/2011/main" val="1"/>
               </a:ext>
             </a:extLst>
           </p:spPr>
@@ -24644,7 +24508,7 @@
             </a:ln>
             <a:extLst>
               <a:ext uri="{C572A759-6A51-4108-AA02-DFA0A04FC94B}">
-                <ma14:wrappingTextBoxFlag xmlns:ma14="http://schemas.microsoft.com/office/mac/drawingml/2011/main" xmlns="" val="1"/>
+                <ma14:wrappingTextBoxFlag xmlns="" xmlns:ma14="http://schemas.microsoft.com/office/mac/drawingml/2011/main" val="1"/>
               </a:ext>
             </a:extLst>
           </p:spPr>
@@ -24824,7 +24688,7 @@
             </a:ln>
             <a:extLst>
               <a:ext uri="{C572A759-6A51-4108-AA02-DFA0A04FC94B}">
-                <ma14:wrappingTextBoxFlag xmlns:ma14="http://schemas.microsoft.com/office/mac/drawingml/2011/main" xmlns="" val="1"/>
+                <ma14:wrappingTextBoxFlag xmlns="" xmlns:ma14="http://schemas.microsoft.com/office/mac/drawingml/2011/main" val="1"/>
               </a:ext>
             </a:extLst>
           </p:spPr>
@@ -25000,7 +24864,7 @@
             </a:ln>
             <a:extLst>
               <a:ext uri="{C572A759-6A51-4108-AA02-DFA0A04FC94B}">
-                <ma14:wrappingTextBoxFlag xmlns:ma14="http://schemas.microsoft.com/office/mac/drawingml/2011/main" xmlns="" val="1"/>
+                <ma14:wrappingTextBoxFlag xmlns="" xmlns:ma14="http://schemas.microsoft.com/office/mac/drawingml/2011/main" val="1"/>
               </a:ext>
             </a:extLst>
           </p:spPr>
@@ -25054,7 +24918,7 @@
             </a:ln>
             <a:extLst>
               <a:ext uri="{C572A759-6A51-4108-AA02-DFA0A04FC94B}">
-                <ma14:wrappingTextBoxFlag xmlns:ma14="http://schemas.microsoft.com/office/mac/drawingml/2011/main" xmlns="" val="1"/>
+                <ma14:wrappingTextBoxFlag xmlns="" xmlns:ma14="http://schemas.microsoft.com/office/mac/drawingml/2011/main" val="1"/>
               </a:ext>
             </a:extLst>
           </p:spPr>
@@ -25108,7 +24972,7 @@
             </a:ln>
             <a:extLst>
               <a:ext uri="{C572A759-6A51-4108-AA02-DFA0A04FC94B}">
-                <ma14:wrappingTextBoxFlag xmlns:ma14="http://schemas.microsoft.com/office/mac/drawingml/2011/main" xmlns="" val="1"/>
+                <ma14:wrappingTextBoxFlag xmlns="" xmlns:ma14="http://schemas.microsoft.com/office/mac/drawingml/2011/main" val="1"/>
               </a:ext>
             </a:extLst>
           </p:spPr>
@@ -25162,7 +25026,7 @@
             </a:ln>
             <a:extLst>
               <a:ext uri="{C572A759-6A51-4108-AA02-DFA0A04FC94B}">
-                <ma14:wrappingTextBoxFlag xmlns:ma14="http://schemas.microsoft.com/office/mac/drawingml/2011/main" xmlns="" val="1"/>
+                <ma14:wrappingTextBoxFlag xmlns="" xmlns:ma14="http://schemas.microsoft.com/office/mac/drawingml/2011/main" val="1"/>
               </a:ext>
             </a:extLst>
           </p:spPr>
@@ -25216,7 +25080,7 @@
             </a:ln>
             <a:extLst>
               <a:ext uri="{C572A759-6A51-4108-AA02-DFA0A04FC94B}">
-                <ma14:wrappingTextBoxFlag xmlns:ma14="http://schemas.microsoft.com/office/mac/drawingml/2011/main" xmlns="" val="1"/>
+                <ma14:wrappingTextBoxFlag xmlns="" xmlns:ma14="http://schemas.microsoft.com/office/mac/drawingml/2011/main" val="1"/>
               </a:ext>
             </a:extLst>
           </p:spPr>
@@ -25270,7 +25134,7 @@
             </a:ln>
             <a:extLst>
               <a:ext uri="{C572A759-6A51-4108-AA02-DFA0A04FC94B}">
-                <ma14:wrappingTextBoxFlag xmlns:ma14="http://schemas.microsoft.com/office/mac/drawingml/2011/main" xmlns="" val="1"/>
+                <ma14:wrappingTextBoxFlag xmlns="" xmlns:ma14="http://schemas.microsoft.com/office/mac/drawingml/2011/main" val="1"/>
               </a:ext>
             </a:extLst>
           </p:spPr>
@@ -25324,7 +25188,7 @@
             </a:ln>
             <a:extLst>
               <a:ext uri="{C572A759-6A51-4108-AA02-DFA0A04FC94B}">
-                <ma14:wrappingTextBoxFlag xmlns:ma14="http://schemas.microsoft.com/office/mac/drawingml/2011/main" xmlns="" val="1"/>
+                <ma14:wrappingTextBoxFlag xmlns="" xmlns:ma14="http://schemas.microsoft.com/office/mac/drawingml/2011/main" val="1"/>
               </a:ext>
             </a:extLst>
           </p:spPr>
@@ -25631,7 +25495,7 @@
             </a:ln>
             <a:extLst>
               <a:ext uri="{C572A759-6A51-4108-AA02-DFA0A04FC94B}">
-                <ma14:wrappingTextBoxFlag xmlns:ma14="http://schemas.microsoft.com/office/mac/drawingml/2011/main" xmlns="" val="1"/>
+                <ma14:wrappingTextBoxFlag xmlns="" xmlns:ma14="http://schemas.microsoft.com/office/mac/drawingml/2011/main" val="1"/>
               </a:ext>
             </a:extLst>
           </p:spPr>
@@ -25822,7 +25686,7 @@
             </a:ln>
             <a:extLst>
               <a:ext uri="{C572A759-6A51-4108-AA02-DFA0A04FC94B}">
-                <ma14:wrappingTextBoxFlag xmlns:ma14="http://schemas.microsoft.com/office/mac/drawingml/2011/main" xmlns="" val="1"/>
+                <ma14:wrappingTextBoxFlag xmlns="" xmlns:ma14="http://schemas.microsoft.com/office/mac/drawingml/2011/main" val="1"/>
               </a:ext>
             </a:extLst>
           </p:spPr>
@@ -25879,7 +25743,7 @@
             </a:ln>
             <a:extLst>
               <a:ext uri="{C572A759-6A51-4108-AA02-DFA0A04FC94B}">
-                <ma14:wrappingTextBoxFlag xmlns:ma14="http://schemas.microsoft.com/office/mac/drawingml/2011/main" xmlns="" val="1"/>
+                <ma14:wrappingTextBoxFlag xmlns="" xmlns:ma14="http://schemas.microsoft.com/office/mac/drawingml/2011/main" val="1"/>
               </a:ext>
             </a:extLst>
           </p:spPr>
@@ -26075,7 +25939,7 @@
             </a:ln>
             <a:extLst>
               <a:ext uri="{C572A759-6A51-4108-AA02-DFA0A04FC94B}">
-                <ma14:wrappingTextBoxFlag xmlns:ma14="http://schemas.microsoft.com/office/mac/drawingml/2011/main" xmlns="" val="1"/>
+                <ma14:wrappingTextBoxFlag xmlns="" xmlns:ma14="http://schemas.microsoft.com/office/mac/drawingml/2011/main" val="1"/>
               </a:ext>
             </a:extLst>
           </p:spPr>
@@ -26297,7 +26161,7 @@
             </a:ln>
             <a:extLst>
               <a:ext uri="{C572A759-6A51-4108-AA02-DFA0A04FC94B}">
-                <ma14:wrappingTextBoxFlag xmlns:ma14="http://schemas.microsoft.com/office/mac/drawingml/2011/main" xmlns="" val="1"/>
+                <ma14:wrappingTextBoxFlag xmlns="" xmlns:ma14="http://schemas.microsoft.com/office/mac/drawingml/2011/main" val="1"/>
               </a:ext>
             </a:extLst>
           </p:spPr>
@@ -26351,7 +26215,7 @@
             </a:ln>
             <a:extLst>
               <a:ext uri="{C572A759-6A51-4108-AA02-DFA0A04FC94B}">
-                <ma14:wrappingTextBoxFlag xmlns:ma14="http://schemas.microsoft.com/office/mac/drawingml/2011/main" xmlns="" val="1"/>
+                <ma14:wrappingTextBoxFlag xmlns="" xmlns:ma14="http://schemas.microsoft.com/office/mac/drawingml/2011/main" val="1"/>
               </a:ext>
             </a:extLst>
           </p:spPr>
@@ -26405,7 +26269,7 @@
             </a:ln>
             <a:extLst>
               <a:ext uri="{C572A759-6A51-4108-AA02-DFA0A04FC94B}">
-                <ma14:wrappingTextBoxFlag xmlns:ma14="http://schemas.microsoft.com/office/mac/drawingml/2011/main" xmlns="" val="1"/>
+                <ma14:wrappingTextBoxFlag xmlns="" xmlns:ma14="http://schemas.microsoft.com/office/mac/drawingml/2011/main" val="1"/>
               </a:ext>
             </a:extLst>
           </p:spPr>
@@ -26459,7 +26323,7 @@
             </a:ln>
             <a:extLst>
               <a:ext uri="{C572A759-6A51-4108-AA02-DFA0A04FC94B}">
-                <ma14:wrappingTextBoxFlag xmlns:ma14="http://schemas.microsoft.com/office/mac/drawingml/2011/main" xmlns="" val="1"/>
+                <ma14:wrappingTextBoxFlag xmlns="" xmlns:ma14="http://schemas.microsoft.com/office/mac/drawingml/2011/main" val="1"/>
               </a:ext>
             </a:extLst>
           </p:spPr>
@@ -26513,7 +26377,7 @@
             </a:ln>
             <a:extLst>
               <a:ext uri="{C572A759-6A51-4108-AA02-DFA0A04FC94B}">
-                <ma14:wrappingTextBoxFlag xmlns:ma14="http://schemas.microsoft.com/office/mac/drawingml/2011/main" xmlns="" val="1"/>
+                <ma14:wrappingTextBoxFlag xmlns="" xmlns:ma14="http://schemas.microsoft.com/office/mac/drawingml/2011/main" val="1"/>
               </a:ext>
             </a:extLst>
           </p:spPr>
@@ -26564,7 +26428,7 @@
             </a:ln>
             <a:extLst>
               <a:ext uri="{C572A759-6A51-4108-AA02-DFA0A04FC94B}">
-                <ma14:wrappingTextBoxFlag xmlns:ma14="http://schemas.microsoft.com/office/mac/drawingml/2011/main" xmlns="" val="1"/>
+                <ma14:wrappingTextBoxFlag xmlns="" xmlns:ma14="http://schemas.microsoft.com/office/mac/drawingml/2011/main" val="1"/>
               </a:ext>
             </a:extLst>
           </p:spPr>
